--- a/SW04_Monday.pptx
+++ b/SW04_Monday.pptx
@@ -5,7 +5,7 @@
     <p:sldMasterId id="2147483960" r:id="rId1"/>
   </p:sldMasterIdLst>
   <p:notesMasterIdLst>
-    <p:notesMasterId r:id="rId8"/>
+    <p:notesMasterId r:id="rId13"/>
   </p:notesMasterIdLst>
   <p:sldIdLst>
     <p:sldId id="256" r:id="rId2"/>
@@ -14,6 +14,11 @@
     <p:sldId id="259" r:id="rId5"/>
     <p:sldId id="260" r:id="rId6"/>
     <p:sldId id="261" r:id="rId7"/>
+    <p:sldId id="262" r:id="rId8"/>
+    <p:sldId id="263" r:id="rId9"/>
+    <p:sldId id="265" r:id="rId10"/>
+    <p:sldId id="266" r:id="rId11"/>
+    <p:sldId id="267" r:id="rId12"/>
   </p:sldIdLst>
   <p:sldSz cx="9144000" cy="6858000" type="screen4x3"/>
   <p:notesSz cx="6858000" cy="9144000"/>
@@ -197,7 +202,7 @@
           <a:p>
             <a:fld id="{FFDECFBF-571E-F848-B548-BADA9C398F57}" type="datetimeFigureOut">
               <a:rPr lang="de-DE" smtClean="0"/>
-              <a:t>16.03.16</a:t>
+              <a:t>20.03.2016</a:t>
             </a:fld>
             <a:endParaRPr lang="de-DE"/>
           </a:p>
@@ -875,9 +880,9 @@
           <a:bodyPr/>
           <a:lstStyle/>
           <a:p>
-            <a:fld id="{C8A432C8-69A7-458B-9684-2BFA64B31948}" type="datetime2">
+            <a:fld id="{83E2F900-FA8A-4FD9-899A-00662C9A3867}" type="datetime2">
               <a:rPr lang="en-US" smtClean="0"/>
-              <a:t>Mittwoch, 16. März 16</a:t>
+              <a:t>Sunday, March 20, 2016</a:t>
             </a:fld>
             <a:endParaRPr lang="en-US"/>
           </a:p>
@@ -1077,9 +1082,9 @@
           <a:bodyPr/>
           <a:lstStyle/>
           <a:p>
-            <a:fld id="{8CC057FC-95B6-4D89-AFDA-ABA33EE921E5}" type="datetime2">
+            <a:fld id="{0F40F91B-C3F3-48E8-98AF-4EF0ABB4DBF3}" type="datetime2">
               <a:rPr lang="en-US" smtClean="0"/>
-              <a:t>Mittwoch, 16. März 16</a:t>
+              <a:t>Sunday, March 20, 2016</a:t>
             </a:fld>
             <a:endParaRPr lang="en-US"/>
           </a:p>
@@ -1254,9 +1259,9 @@
           <a:bodyPr/>
           <a:lstStyle/>
           <a:p>
-            <a:fld id="{EC4549AC-EB31-477F-92A9-B1988E232878}" type="datetime2">
+            <a:fld id="{04C68D04-8BD7-420C-810A-F9CA04B32EDF}" type="datetime2">
               <a:rPr lang="en-US" smtClean="0"/>
-              <a:t>Mittwoch, 16. März 16</a:t>
+              <a:t>Sunday, March 20, 2016</a:t>
             </a:fld>
             <a:endParaRPr lang="en-US"/>
           </a:p>
@@ -1421,9 +1426,9 @@
           <a:bodyPr/>
           <a:lstStyle/>
           <a:p>
-            <a:fld id="{6396A3A3-94A6-4E5B-AF39-173ACA3E61CC}" type="datetime2">
+            <a:fld id="{6AEF61D5-D9F5-4920-9B9B-CA494DB62229}" type="datetime2">
               <a:rPr lang="en-US" smtClean="0"/>
-              <a:t>Mittwoch, 16. März 16</a:t>
+              <a:t>Sunday, March 20, 2016</a:t>
             </a:fld>
             <a:endParaRPr lang="en-US"/>
           </a:p>
@@ -1671,9 +1676,9 @@
           <a:bodyPr/>
           <a:lstStyle/>
           <a:p>
-            <a:fld id="{9933D019-A32C-4EAD-B8E6-DBDA699692FD}" type="datetime2">
+            <a:fld id="{5DB20CE7-21CA-4D66-B60A-708CCC8D4527}" type="datetime2">
               <a:rPr lang="en-US" smtClean="0"/>
-              <a:t>Mittwoch, 16. März 16</a:t>
+              <a:t>Sunday, March 20, 2016</a:t>
             </a:fld>
             <a:endParaRPr lang="en-US"/>
           </a:p>
@@ -1991,9 +1996,9 @@
           <a:bodyPr/>
           <a:lstStyle/>
           <a:p>
-            <a:fld id="{CCEBA98F-560C-4997-81C4-81D4D9187EAB}" type="datetime2">
+            <a:fld id="{790BC93B-E904-4CEB-BA58-94F6069596E8}" type="datetime2">
               <a:rPr lang="en-US" smtClean="0"/>
-              <a:t>Mittwoch, 16. März 16</a:t>
+              <a:t>Sunday, March 20, 2016</a:t>
             </a:fld>
             <a:endParaRPr lang="en-US"/>
           </a:p>
@@ -2459,9 +2464,9 @@
           <a:bodyPr/>
           <a:lstStyle/>
           <a:p>
-            <a:fld id="{150972B2-CA5C-437D-87D0-8081271A9E4B}" type="datetime2">
+            <a:fld id="{C5DD3795-5D6D-4B75-B7DE-41D381ACB6CF}" type="datetime2">
               <a:rPr lang="en-US" smtClean="0"/>
-              <a:t>Mittwoch, 16. März 16</a:t>
+              <a:t>Sunday, March 20, 2016</a:t>
             </a:fld>
             <a:endParaRPr lang="en-US"/>
           </a:p>
@@ -2609,9 +2614,9 @@
           <a:bodyPr/>
           <a:lstStyle/>
           <a:p>
-            <a:fld id="{79CD4847-11EF-4466-A8AD-85CDB7B49118}" type="datetime2">
+            <a:fld id="{8F2414FC-62AB-46A1-B6B8-B6BFA6F89996}" type="datetime2">
               <a:rPr lang="en-US" smtClean="0"/>
-              <a:t>Mittwoch, 16. März 16</a:t>
+              <a:t>Sunday, March 20, 2016</a:t>
             </a:fld>
             <a:endParaRPr lang="en-US"/>
           </a:p>
@@ -2701,9 +2706,9 @@
           <a:bodyPr/>
           <a:lstStyle/>
           <a:p>
-            <a:fld id="{F168457A-3AB9-4880-8A0C-9F8524491207}" type="datetime2">
+            <a:fld id="{3415AA0D-5DF0-4E76-9C6C-58EEA9DBE96D}" type="datetime2">
               <a:rPr lang="en-US" smtClean="0"/>
-              <a:t>Mittwoch, 16. März 16</a:t>
+              <a:t>Sunday, March 20, 2016</a:t>
             </a:fld>
             <a:endParaRPr lang="en-US"/>
           </a:p>
@@ -2977,9 +2982,9 @@
           <a:bodyPr/>
           <a:lstStyle/>
           <a:p>
-            <a:fld id="{3FE976D3-5B7F-4300-ABED-C91F1B2AE209}" type="datetime2">
+            <a:fld id="{52173D68-34C2-4254-82D2-A0E2F73788C8}" type="datetime2">
               <a:rPr lang="en-US" smtClean="0"/>
-              <a:t>Mittwoch, 16. März 16</a:t>
+              <a:t>Sunday, March 20, 2016</a:t>
             </a:fld>
             <a:endParaRPr lang="en-US"/>
           </a:p>
@@ -3284,9 +3289,9 @@
           <a:bodyPr/>
           <a:lstStyle/>
           <a:p>
-            <a:fld id="{EBDC1E59-17DD-41CE-97CA-624A472382D4}" type="datetime2">
+            <a:fld id="{34830C85-830B-42CA-9DA2-28B6FC280716}" type="datetime2">
               <a:rPr lang="en-US" smtClean="0"/>
-              <a:t>Mittwoch, 16. März 16</a:t>
+              <a:t>Sunday, March 20, 2016</a:t>
             </a:fld>
             <a:endParaRPr lang="en-US"/>
           </a:p>
@@ -3584,9 +3589,9 @@
             </a:lvl1pPr>
           </a:lstStyle>
           <a:p>
-            <a:fld id="{A80CB818-7379-467D-8E76-EF9D9074A26C}" type="datetime2">
+            <a:fld id="{CEA1CEBE-5F27-427B-9C93-A1CF0D33740B}" type="datetime2">
               <a:rPr lang="en-US" smtClean="0"/>
-              <a:t>Mittwoch, 16. März 16</a:t>
+              <a:t>Sunday, March 20, 2016</a:t>
             </a:fld>
             <a:endParaRPr lang="en-US" dirty="0"/>
           </a:p>
@@ -3684,7 +3689,7 @@
     <p:sldLayoutId id="2147483970" r:id="rId10"/>
     <p:sldLayoutId id="2147483971" r:id="rId11"/>
   </p:sldLayoutIdLst>
-  <p:hf sldNum="0" hdr="0" ftr="0" dt="0"/>
+  <p:hf hdr="0" ftr="0" dt="0"/>
   <p:txStyles>
     <p:titleStyle>
       <a:lvl1pPr algn="l" defTabSz="914400" rtl="0" eaLnBrk="1" latinLnBrk="0" hangingPunct="1">
@@ -4053,6 +4058,30 @@
           </a:p>
         </p:txBody>
       </p:sp>
+      <p:sp>
+        <p:nvSpPr>
+          <p:cNvPr id="4" name="Foliennummernplatzhalter 3"/>
+          <p:cNvSpPr>
+            <a:spLocks noGrp="1"/>
+          </p:cNvSpPr>
+          <p:nvPr>
+            <p:ph type="sldNum" sz="quarter" idx="12"/>
+          </p:nvPr>
+        </p:nvSpPr>
+        <p:spPr/>
+        <p:txBody>
+          <a:bodyPr/>
+          <a:lstStyle/>
+          <a:p>
+            <a:fld id="{0CFEC368-1D7A-4F81-ABF6-AE0E36BAF64C}" type="slidenum">
+              <a:rPr lang="en-US" smtClean="0"/>
+              <a:pPr/>
+              <a:t>1</a:t>
+            </a:fld>
+            <a:endParaRPr lang="en-US"/>
+          </a:p>
+        </p:txBody>
+      </p:sp>
     </p:spTree>
     <p:extLst>
       <p:ext uri="{BB962C8B-B14F-4D97-AF65-F5344CB8AC3E}">
@@ -4063,6 +4092,452 @@
   <p:clrMapOvr>
     <a:masterClrMapping/>
   </p:clrMapOvr>
+  <p:timing>
+    <p:tnLst>
+      <p:par>
+        <p:cTn id="1" dur="indefinite" restart="never" nodeType="tmRoot"/>
+      </p:par>
+    </p:tnLst>
+  </p:timing>
+</p:sld>
+</file>
+
+<file path=ppt/slides/slide10.xml><?xml version="1.0" encoding="utf-8"?>
+<p:sld xmlns:a="http://schemas.openxmlformats.org/drawingml/2006/main" xmlns:r="http://schemas.openxmlformats.org/officeDocument/2006/relationships" xmlns:p="http://schemas.openxmlformats.org/presentationml/2006/main">
+  <p:cSld>
+    <p:spTree>
+      <p:nvGrpSpPr>
+        <p:cNvPr id="1" name=""/>
+        <p:cNvGrpSpPr/>
+        <p:nvPr/>
+      </p:nvGrpSpPr>
+      <p:grpSpPr>
+        <a:xfrm>
+          <a:off x="0" y="0"/>
+          <a:ext cx="0" cy="0"/>
+          <a:chOff x="0" y="0"/>
+          <a:chExt cx="0" cy="0"/>
+        </a:xfrm>
+      </p:grpSpPr>
+      <p:sp>
+        <p:nvSpPr>
+          <p:cNvPr id="2" name="Titel 1"/>
+          <p:cNvSpPr>
+            <a:spLocks noGrp="1"/>
+          </p:cNvSpPr>
+          <p:nvPr>
+            <p:ph type="title"/>
+          </p:nvPr>
+        </p:nvSpPr>
+        <p:spPr/>
+        <p:txBody>
+          <a:bodyPr/>
+          <a:lstStyle/>
+          <a:p>
+            <a:r>
+              <a:rPr lang="de-CH" dirty="0" smtClean="0"/>
+              <a:t>Synchronisation - </a:t>
+            </a:r>
+            <a:r>
+              <a:rPr lang="de-CH" dirty="0" err="1" smtClean="0"/>
+              <a:t>Interruptway</a:t>
+            </a:r>
+            <a:endParaRPr lang="de-CH" dirty="0"/>
+          </a:p>
+        </p:txBody>
+      </p:sp>
+      <p:sp>
+        <p:nvSpPr>
+          <p:cNvPr id="4" name="Textfeld 3"/>
+          <p:cNvSpPr txBox="1"/>
+          <p:nvPr/>
+        </p:nvSpPr>
+        <p:spPr>
+          <a:xfrm>
+            <a:off x="282607" y="1905908"/>
+            <a:ext cx="2025586" cy="1323439"/>
+          </a:xfrm>
+          <a:prstGeom prst="rect">
+            <a:avLst/>
+          </a:prstGeom>
+          <a:noFill/>
+        </p:spPr>
+        <p:txBody>
+          <a:bodyPr wrap="square" rtlCol="0">
+            <a:spAutoFit/>
+          </a:bodyPr>
+          <a:lstStyle/>
+          <a:p>
+            <a:r>
+              <a:rPr lang="de-CH" sz="2000" b="1" dirty="0" smtClean="0"/>
+              <a:t>- </a:t>
+            </a:r>
+            <a:r>
+              <a:rPr lang="de-CH" sz="2000" b="1" dirty="0" err="1" smtClean="0"/>
+              <a:t>Processor</a:t>
+            </a:r>
+            <a:endParaRPr lang="de-CH" sz="2000" b="1" dirty="0" smtClean="0"/>
+          </a:p>
+          <a:p>
+            <a:r>
+              <a:rPr lang="de-CH" sz="2000" b="1" dirty="0"/>
+              <a:t> </a:t>
+            </a:r>
+            <a:r>
+              <a:rPr lang="de-CH" sz="2000" b="1" dirty="0" smtClean="0"/>
+              <a:t> expert</a:t>
+            </a:r>
+          </a:p>
+          <a:p>
+            <a:endParaRPr lang="de-CH" sz="2000" b="1" dirty="0"/>
+          </a:p>
+          <a:p>
+            <a:r>
+              <a:rPr lang="de-CH" sz="2000" b="1" dirty="0" smtClean="0"/>
+              <a:t>- </a:t>
+            </a:r>
+          </a:p>
+        </p:txBody>
+      </p:sp>
+      <p:sp>
+        <p:nvSpPr>
+          <p:cNvPr id="5" name="Inhaltsplatzhalter 4"/>
+          <p:cNvSpPr>
+            <a:spLocks noGrp="1"/>
+          </p:cNvSpPr>
+          <p:nvPr>
+            <p:ph idx="1"/>
+          </p:nvPr>
+        </p:nvSpPr>
+        <p:spPr/>
+        <p:txBody>
+          <a:bodyPr/>
+          <a:lstStyle/>
+          <a:p>
+            <a:endParaRPr lang="de-CH" dirty="0"/>
+          </a:p>
+        </p:txBody>
+      </p:sp>
+      <p:pic>
+        <p:nvPicPr>
+          <p:cNvPr id="4099" name="Picture 3"/>
+          <p:cNvPicPr>
+            <a:picLocks noChangeAspect="1" noChangeArrowheads="1"/>
+          </p:cNvPicPr>
+          <p:nvPr/>
+        </p:nvPicPr>
+        <p:blipFill rotWithShape="1">
+          <a:blip r:embed="rId2" cstate="email">
+            <a:extLst>
+              <a:ext uri="{28A0092B-C50C-407E-A947-70E740481C1C}">
+                <a14:useLocalDpi xmlns:a14="http://schemas.microsoft.com/office/drawing/2010/main" val="0"/>
+              </a:ext>
+            </a:extLst>
+          </a:blip>
+          <a:srcRect l="20860" t="24207" r="20798" b="11458"/>
+          <a:stretch/>
+        </p:blipFill>
+        <p:spPr bwMode="auto">
+          <a:xfrm>
+            <a:off x="2234565" y="1610491"/>
+            <a:ext cx="6450148" cy="3998969"/>
+          </a:xfrm>
+          <a:prstGeom prst="rect">
+            <a:avLst/>
+          </a:prstGeom>
+          <a:noFill/>
+          <a:ln>
+            <a:noFill/>
+          </a:ln>
+          <a:extLst>
+            <a:ext uri="{909E8E84-426E-40DD-AFC4-6F175D3DCCD1}">
+              <a14:hiddenFill xmlns:a14="http://schemas.microsoft.com/office/drawing/2010/main">
+                <a:solidFill>
+                  <a:schemeClr val="accent1"/>
+                </a:solidFill>
+              </a14:hiddenFill>
+            </a:ext>
+            <a:ext uri="{91240B29-F687-4F45-9708-019B960494DF}">
+              <a14:hiddenLine xmlns:a14="http://schemas.microsoft.com/office/drawing/2010/main" w="9525">
+                <a:solidFill>
+                  <a:schemeClr val="tx1"/>
+                </a:solidFill>
+                <a:miter lim="800000"/>
+                <a:headEnd/>
+                <a:tailEnd/>
+              </a14:hiddenLine>
+            </a:ext>
+          </a:extLst>
+        </p:spPr>
+      </p:pic>
+      <p:sp>
+        <p:nvSpPr>
+          <p:cNvPr id="6" name="Foliennummernplatzhalter 5"/>
+          <p:cNvSpPr>
+            <a:spLocks noGrp="1"/>
+          </p:cNvSpPr>
+          <p:nvPr>
+            <p:ph type="sldNum" sz="quarter" idx="12"/>
+          </p:nvPr>
+        </p:nvSpPr>
+        <p:spPr/>
+        <p:txBody>
+          <a:bodyPr/>
+          <a:lstStyle/>
+          <a:p>
+            <a:fld id="{0CFEC368-1D7A-4F81-ABF6-AE0E36BAF64C}" type="slidenum">
+              <a:rPr lang="en-US" smtClean="0"/>
+              <a:pPr/>
+              <a:t>10</a:t>
+            </a:fld>
+            <a:endParaRPr lang="en-US"/>
+          </a:p>
+        </p:txBody>
+      </p:sp>
+    </p:spTree>
+    <p:extLst>
+      <p:ext uri="{BB962C8B-B14F-4D97-AF65-F5344CB8AC3E}">
+        <p14:creationId xmlns:p14="http://schemas.microsoft.com/office/powerpoint/2010/main" val="2450174944"/>
+      </p:ext>
+    </p:extLst>
+  </p:cSld>
+  <p:clrMapOvr>
+    <a:masterClrMapping/>
+  </p:clrMapOvr>
+  <p:timing>
+    <p:tnLst>
+      <p:par>
+        <p:cTn id="1" dur="indefinite" restart="never" nodeType="tmRoot"/>
+      </p:par>
+    </p:tnLst>
+  </p:timing>
+</p:sld>
+</file>
+
+<file path=ppt/slides/slide11.xml><?xml version="1.0" encoding="utf-8"?>
+<p:sld xmlns:a="http://schemas.openxmlformats.org/drawingml/2006/main" xmlns:r="http://schemas.openxmlformats.org/officeDocument/2006/relationships" xmlns:p="http://schemas.openxmlformats.org/presentationml/2006/main">
+  <p:cSld>
+    <p:spTree>
+      <p:nvGrpSpPr>
+        <p:cNvPr id="1" name=""/>
+        <p:cNvGrpSpPr/>
+        <p:nvPr/>
+      </p:nvGrpSpPr>
+      <p:grpSpPr>
+        <a:xfrm>
+          <a:off x="0" y="0"/>
+          <a:ext cx="0" cy="0"/>
+          <a:chOff x="0" y="0"/>
+          <a:chExt cx="0" cy="0"/>
+        </a:xfrm>
+      </p:grpSpPr>
+      <p:sp>
+        <p:nvSpPr>
+          <p:cNvPr id="2" name="Titel 1"/>
+          <p:cNvSpPr>
+            <a:spLocks noGrp="1"/>
+          </p:cNvSpPr>
+          <p:nvPr>
+            <p:ph type="title"/>
+          </p:nvPr>
+        </p:nvSpPr>
+        <p:spPr>
+          <a:xfrm>
+            <a:off x="457200" y="609600"/>
+            <a:ext cx="8229600" cy="990600"/>
+          </a:xfrm>
+        </p:spPr>
+        <p:txBody>
+          <a:bodyPr/>
+          <a:lstStyle/>
+          <a:p>
+            <a:r>
+              <a:rPr lang="de-DE" dirty="0" err="1" smtClean="0"/>
+              <a:t>Questions</a:t>
+            </a:r>
+            <a:endParaRPr lang="de-DE" dirty="0"/>
+          </a:p>
+        </p:txBody>
+      </p:sp>
+      <p:sp>
+        <p:nvSpPr>
+          <p:cNvPr id="3" name="Inhaltsplatzhalter 2"/>
+          <p:cNvSpPr>
+            <a:spLocks noGrp="1"/>
+          </p:cNvSpPr>
+          <p:nvPr>
+            <p:ph idx="1"/>
+          </p:nvPr>
+        </p:nvSpPr>
+        <p:spPr>
+          <a:xfrm>
+            <a:off x="457200" y="1438275"/>
+            <a:ext cx="8229600" cy="5038725"/>
+          </a:xfrm>
+        </p:spPr>
+        <p:txBody>
+          <a:bodyPr>
+            <a:normAutofit/>
+          </a:bodyPr>
+          <a:lstStyle/>
+          <a:p>
+            <a:r>
+              <a:rPr lang="en-GB" dirty="0" smtClean="0"/>
+              <a:t>Is this a pull-up or pull-down schematic?</a:t>
+            </a:r>
+          </a:p>
+          <a:p>
+            <a:endParaRPr lang="en-GB" dirty="0" smtClean="0"/>
+          </a:p>
+          <a:p>
+            <a:endParaRPr lang="en-GB" dirty="0" smtClean="0"/>
+          </a:p>
+          <a:p>
+            <a:endParaRPr lang="en-GB" dirty="0" smtClean="0"/>
+          </a:p>
+          <a:p>
+            <a:pPr marL="0" indent="0">
+              <a:buNone/>
+            </a:pPr>
+            <a:endParaRPr lang="en-GB" dirty="0" smtClean="0"/>
+          </a:p>
+          <a:p>
+            <a:r>
+              <a:rPr lang="en-GB" dirty="0" smtClean="0"/>
+              <a:t>Which PE we use for synchronisation with interrupts?</a:t>
+            </a:r>
+          </a:p>
+          <a:p>
+            <a:endParaRPr lang="en-GB" dirty="0" smtClean="0"/>
+          </a:p>
+          <a:p>
+            <a:endParaRPr lang="en-GB" dirty="0" smtClean="0"/>
+          </a:p>
+          <a:p>
+            <a:endParaRPr lang="de-DE" dirty="0"/>
+          </a:p>
+          <a:p>
+            <a:pPr marL="0" indent="0">
+              <a:buNone/>
+            </a:pPr>
+            <a:endParaRPr lang="de-DE" dirty="0" smtClean="0"/>
+          </a:p>
+          <a:p>
+            <a:endParaRPr lang="de-DE" dirty="0"/>
+          </a:p>
+          <a:p>
+            <a:endParaRPr lang="de-DE" dirty="0" smtClean="0"/>
+          </a:p>
+          <a:p>
+            <a:endParaRPr lang="de-DE" dirty="0"/>
+          </a:p>
+          <a:p>
+            <a:endParaRPr lang="de-DE" dirty="0" smtClean="0"/>
+          </a:p>
+          <a:p>
+            <a:endParaRPr lang="de-DE" dirty="0"/>
+          </a:p>
+          <a:p>
+            <a:endParaRPr lang="de-DE" dirty="0"/>
+          </a:p>
+          <a:p>
+            <a:endParaRPr lang="de-DE" dirty="0"/>
+          </a:p>
+        </p:txBody>
+      </p:sp>
+      <p:pic>
+        <p:nvPicPr>
+          <p:cNvPr id="5125" name="Picture 5"/>
+          <p:cNvPicPr>
+            <a:picLocks noChangeAspect="1" noChangeArrowheads="1"/>
+          </p:cNvPicPr>
+          <p:nvPr/>
+        </p:nvPicPr>
+        <p:blipFill rotWithShape="1">
+          <a:blip r:embed="rId2">
+            <a:extLst>
+              <a:ext uri="{28A0092B-C50C-407E-A947-70E740481C1C}">
+                <a14:useLocalDpi xmlns:a14="http://schemas.microsoft.com/office/drawing/2010/main" val="0"/>
+              </a:ext>
+            </a:extLst>
+          </a:blip>
+          <a:srcRect l="66710"/>
+          <a:stretch/>
+        </p:blipFill>
+        <p:spPr bwMode="auto">
+          <a:xfrm>
+            <a:off x="6181724" y="876903"/>
+            <a:ext cx="2124075" cy="2328260"/>
+          </a:xfrm>
+          <a:prstGeom prst="rect">
+            <a:avLst/>
+          </a:prstGeom>
+          <a:noFill/>
+          <a:ln>
+            <a:noFill/>
+          </a:ln>
+          <a:extLst>
+            <a:ext uri="{909E8E84-426E-40DD-AFC4-6F175D3DCCD1}">
+              <a14:hiddenFill xmlns:a14="http://schemas.microsoft.com/office/drawing/2010/main">
+                <a:solidFill>
+                  <a:schemeClr val="accent1"/>
+                </a:solidFill>
+              </a14:hiddenFill>
+            </a:ext>
+            <a:ext uri="{91240B29-F687-4F45-9708-019B960494DF}">
+              <a14:hiddenLine xmlns:a14="http://schemas.microsoft.com/office/drawing/2010/main" w="9525">
+                <a:solidFill>
+                  <a:schemeClr val="tx1"/>
+                </a:solidFill>
+                <a:miter lim="800000"/>
+                <a:headEnd/>
+                <a:tailEnd/>
+              </a14:hiddenLine>
+            </a:ext>
+          </a:extLst>
+        </p:spPr>
+      </p:pic>
+      <p:sp>
+        <p:nvSpPr>
+          <p:cNvPr id="4" name="Foliennummernplatzhalter 3"/>
+          <p:cNvSpPr>
+            <a:spLocks noGrp="1"/>
+          </p:cNvSpPr>
+          <p:nvPr>
+            <p:ph type="sldNum" sz="quarter" idx="12"/>
+          </p:nvPr>
+        </p:nvSpPr>
+        <p:spPr/>
+        <p:txBody>
+          <a:bodyPr/>
+          <a:lstStyle/>
+          <a:p>
+            <a:fld id="{0CFEC368-1D7A-4F81-ABF6-AE0E36BAF64C}" type="slidenum">
+              <a:rPr lang="en-US" smtClean="0"/>
+              <a:pPr/>
+              <a:t>11</a:t>
+            </a:fld>
+            <a:endParaRPr lang="en-US"/>
+          </a:p>
+        </p:txBody>
+      </p:sp>
+    </p:spTree>
+    <p:extLst>
+      <p:ext uri="{BB962C8B-B14F-4D97-AF65-F5344CB8AC3E}">
+        <p14:creationId xmlns:p14="http://schemas.microsoft.com/office/powerpoint/2010/main" val="820518419"/>
+      </p:ext>
+    </p:extLst>
+  </p:cSld>
+  <p:clrMapOvr>
+    <a:masterClrMapping/>
+  </p:clrMapOvr>
+  <p:timing>
+    <p:tnLst>
+      <p:par>
+        <p:cTn id="1" dur="indefinite" restart="never" nodeType="tmRoot"/>
+      </p:par>
+    </p:tnLst>
+  </p:timing>
 </p:sld>
 </file>
 
@@ -4125,7 +4600,7 @@
           </p:nvPr>
         </p:nvPicPr>
         <p:blipFill>
-          <a:blip r:embed="rId2">
+          <a:blip r:embed="rId2" cstate="email">
             <a:extLst>
               <a:ext uri="{28A0092B-C50C-407E-A947-70E740481C1C}">
                 <a14:useLocalDpi xmlns:a14="http://schemas.microsoft.com/office/drawing/2010/main" val="0"/>
@@ -4153,7 +4628,7 @@
           <p:nvPr/>
         </p:nvPicPr>
         <p:blipFill>
-          <a:blip r:embed="rId3">
+          <a:blip r:embed="rId3" cstate="email">
             <a:extLst>
               <a:ext uri="{28A0092B-C50C-407E-A947-70E740481C1C}">
                 <a14:useLocalDpi xmlns:a14="http://schemas.microsoft.com/office/drawing/2010/main" val="0"/>
@@ -4245,6 +4720,30 @@
           </a:p>
         </p:txBody>
       </p:sp>
+      <p:sp>
+        <p:nvSpPr>
+          <p:cNvPr id="3" name="Foliennummernplatzhalter 2"/>
+          <p:cNvSpPr>
+            <a:spLocks noGrp="1"/>
+          </p:cNvSpPr>
+          <p:nvPr>
+            <p:ph type="sldNum" sz="quarter" idx="12"/>
+          </p:nvPr>
+        </p:nvSpPr>
+        <p:spPr/>
+        <p:txBody>
+          <a:bodyPr/>
+          <a:lstStyle/>
+          <a:p>
+            <a:fld id="{0CFEC368-1D7A-4F81-ABF6-AE0E36BAF64C}" type="slidenum">
+              <a:rPr lang="en-US" smtClean="0"/>
+              <a:pPr/>
+              <a:t>2</a:t>
+            </a:fld>
+            <a:endParaRPr lang="en-US"/>
+          </a:p>
+        </p:txBody>
+      </p:sp>
     </p:spTree>
     <p:extLst>
       <p:ext uri="{BB962C8B-B14F-4D97-AF65-F5344CB8AC3E}">
@@ -4255,6 +4754,13 @@
   <p:clrMapOvr>
     <a:masterClrMapping/>
   </p:clrMapOvr>
+  <p:timing>
+    <p:tnLst>
+      <p:par>
+        <p:cTn id="1" dur="indefinite" restart="never" nodeType="tmRoot"/>
+      </p:par>
+    </p:tnLst>
+  </p:timing>
 </p:sld>
 </file>
 
@@ -4617,6 +5123,30 @@
           </a:p>
         </p:txBody>
       </p:sp>
+      <p:sp>
+        <p:nvSpPr>
+          <p:cNvPr id="3" name="Foliennummernplatzhalter 2"/>
+          <p:cNvSpPr>
+            <a:spLocks noGrp="1"/>
+          </p:cNvSpPr>
+          <p:nvPr>
+            <p:ph type="sldNum" sz="quarter" idx="12"/>
+          </p:nvPr>
+        </p:nvSpPr>
+        <p:spPr/>
+        <p:txBody>
+          <a:bodyPr/>
+          <a:lstStyle/>
+          <a:p>
+            <a:fld id="{0CFEC368-1D7A-4F81-ABF6-AE0E36BAF64C}" type="slidenum">
+              <a:rPr lang="en-US" smtClean="0"/>
+              <a:pPr/>
+              <a:t>3</a:t>
+            </a:fld>
+            <a:endParaRPr lang="en-US"/>
+          </a:p>
+        </p:txBody>
+      </p:sp>
     </p:spTree>
     <p:extLst>
       <p:ext uri="{BB962C8B-B14F-4D97-AF65-F5344CB8AC3E}">
@@ -4627,6 +5157,13 @@
   <p:clrMapOvr>
     <a:masterClrMapping/>
   </p:clrMapOvr>
+  <p:timing>
+    <p:tnLst>
+      <p:par>
+        <p:cTn id="1" dur="indefinite" restart="never" nodeType="tmRoot"/>
+      </p:par>
+    </p:tnLst>
+  </p:timing>
 </p:sld>
 </file>
 
@@ -4681,7 +5218,7 @@
           </p:nvPr>
         </p:nvPicPr>
         <p:blipFill>
-          <a:blip r:embed="rId3">
+          <a:blip r:embed="rId3" cstate="email">
             <a:extLst>
               <a:ext uri="{28A0092B-C50C-407E-A947-70E740481C1C}">
                 <a14:useLocalDpi xmlns:a14="http://schemas.microsoft.com/office/drawing/2010/main" val="0"/>
@@ -4695,6 +5232,30 @@
         </p:blipFill>
         <p:spPr/>
       </p:pic>
+      <p:sp>
+        <p:nvSpPr>
+          <p:cNvPr id="3" name="Foliennummernplatzhalter 2"/>
+          <p:cNvSpPr>
+            <a:spLocks noGrp="1"/>
+          </p:cNvSpPr>
+          <p:nvPr>
+            <p:ph type="sldNum" sz="quarter" idx="12"/>
+          </p:nvPr>
+        </p:nvSpPr>
+        <p:spPr/>
+        <p:txBody>
+          <a:bodyPr/>
+          <a:lstStyle/>
+          <a:p>
+            <a:fld id="{0CFEC368-1D7A-4F81-ABF6-AE0E36BAF64C}" type="slidenum">
+              <a:rPr lang="en-US" smtClean="0"/>
+              <a:pPr/>
+              <a:t>4</a:t>
+            </a:fld>
+            <a:endParaRPr lang="en-US"/>
+          </a:p>
+        </p:txBody>
+      </p:sp>
     </p:spTree>
     <p:extLst>
       <p:ext uri="{BB962C8B-B14F-4D97-AF65-F5344CB8AC3E}">
@@ -4705,6 +5266,13 @@
   <p:clrMapOvr>
     <a:masterClrMapping/>
   </p:clrMapOvr>
+  <p:timing>
+    <p:tnLst>
+      <p:par>
+        <p:cTn id="1" dur="indefinite" restart="never" nodeType="tmRoot"/>
+      </p:par>
+    </p:tnLst>
+  </p:timing>
 </p:sld>
 </file>
 
@@ -4767,7 +5335,7 @@
           </p:nvPr>
         </p:nvPicPr>
         <p:blipFill>
-          <a:blip r:embed="rId3">
+          <a:blip r:embed="rId3" cstate="email">
             <a:extLst>
               <a:ext uri="{28A0092B-C50C-407E-A947-70E740481C1C}">
                 <a14:useLocalDpi xmlns:a14="http://schemas.microsoft.com/office/drawing/2010/main" val="0"/>
@@ -4781,6 +5349,30 @@
         </p:blipFill>
         <p:spPr/>
       </p:pic>
+      <p:sp>
+        <p:nvSpPr>
+          <p:cNvPr id="3" name="Foliennummernplatzhalter 2"/>
+          <p:cNvSpPr>
+            <a:spLocks noGrp="1"/>
+          </p:cNvSpPr>
+          <p:nvPr>
+            <p:ph type="sldNum" sz="quarter" idx="12"/>
+          </p:nvPr>
+        </p:nvSpPr>
+        <p:spPr/>
+        <p:txBody>
+          <a:bodyPr/>
+          <a:lstStyle/>
+          <a:p>
+            <a:fld id="{0CFEC368-1D7A-4F81-ABF6-AE0E36BAF64C}" type="slidenum">
+              <a:rPr lang="en-US" smtClean="0"/>
+              <a:pPr/>
+              <a:t>5</a:t>
+            </a:fld>
+            <a:endParaRPr lang="en-US"/>
+          </a:p>
+        </p:txBody>
+      </p:sp>
     </p:spTree>
     <p:extLst>
       <p:ext uri="{BB962C8B-B14F-4D97-AF65-F5344CB8AC3E}">
@@ -4791,6 +5383,13 @@
   <p:clrMapOvr>
     <a:masterClrMapping/>
   </p:clrMapOvr>
+  <p:timing>
+    <p:tnLst>
+      <p:par>
+        <p:cTn id="1" dur="indefinite" restart="never" nodeType="tmRoot"/>
+      </p:par>
+    </p:tnLst>
+  </p:timing>
 </p:sld>
 </file>
 
@@ -4955,7 +5554,7 @@
             </a:r>
             <a:r>
               <a:rPr lang="de-DE" dirty="0" err="1" smtClean="0"/>
-              <a:t>dont</a:t>
+              <a:t>don‘t</a:t>
             </a:r>
             <a:r>
               <a:rPr lang="de-DE" dirty="0" smtClean="0"/>
@@ -5047,6 +5646,30 @@
           </a:p>
           <a:p>
             <a:endParaRPr lang="de-DE" dirty="0"/>
+          </a:p>
+        </p:txBody>
+      </p:sp>
+      <p:sp>
+        <p:nvSpPr>
+          <p:cNvPr id="4" name="Foliennummernplatzhalter 3"/>
+          <p:cNvSpPr>
+            <a:spLocks noGrp="1"/>
+          </p:cNvSpPr>
+          <p:nvPr>
+            <p:ph type="sldNum" sz="quarter" idx="12"/>
+          </p:nvPr>
+        </p:nvSpPr>
+        <p:spPr/>
+        <p:txBody>
+          <a:bodyPr/>
+          <a:lstStyle/>
+          <a:p>
+            <a:fld id="{0CFEC368-1D7A-4F81-ABF6-AE0E36BAF64C}" type="slidenum">
+              <a:rPr lang="en-US" smtClean="0"/>
+              <a:pPr/>
+              <a:t>6</a:t>
+            </a:fld>
+            <a:endParaRPr lang="en-US"/>
           </a:p>
         </p:txBody>
       </p:sp>
@@ -5060,6 +5683,1504 @@
   <p:clrMapOvr>
     <a:masterClrMapping/>
   </p:clrMapOvr>
+  <p:timing>
+    <p:tnLst>
+      <p:par>
+        <p:cTn id="1" dur="indefinite" restart="never" nodeType="tmRoot"/>
+      </p:par>
+    </p:tnLst>
+  </p:timing>
+</p:sld>
+</file>
+
+<file path=ppt/slides/slide7.xml><?xml version="1.0" encoding="utf-8"?>
+<p:sld xmlns:a="http://schemas.openxmlformats.org/drawingml/2006/main" xmlns:r="http://schemas.openxmlformats.org/officeDocument/2006/relationships" xmlns:p="http://schemas.openxmlformats.org/presentationml/2006/main">
+  <p:cSld>
+    <p:spTree>
+      <p:nvGrpSpPr>
+        <p:cNvPr id="1" name=""/>
+        <p:cNvGrpSpPr/>
+        <p:nvPr/>
+      </p:nvGrpSpPr>
+      <p:grpSpPr>
+        <a:xfrm>
+          <a:off x="0" y="0"/>
+          <a:ext cx="0" cy="0"/>
+          <a:chOff x="0" y="0"/>
+          <a:chExt cx="0" cy="0"/>
+        </a:xfrm>
+      </p:grpSpPr>
+      <p:sp>
+        <p:nvSpPr>
+          <p:cNvPr id="2" name="Titel 1"/>
+          <p:cNvSpPr>
+            <a:spLocks noGrp="1"/>
+          </p:cNvSpPr>
+          <p:nvPr>
+            <p:ph type="title"/>
+          </p:nvPr>
+        </p:nvSpPr>
+        <p:spPr/>
+        <p:txBody>
+          <a:bodyPr>
+            <a:normAutofit/>
+          </a:bodyPr>
+          <a:lstStyle/>
+          <a:p>
+            <a:r>
+              <a:rPr lang="de-CH" dirty="0" smtClean="0"/>
+              <a:t>Push Buttons</a:t>
+            </a:r>
+            <a:r>
+              <a:rPr lang="de-CH" sz="4800" b="1" dirty="0" smtClean="0"/>
+              <a:t>	</a:t>
+            </a:r>
+            <a:endParaRPr lang="de-CH" sz="4800" b="1" dirty="0"/>
+          </a:p>
+        </p:txBody>
+      </p:sp>
+      <p:pic>
+        <p:nvPicPr>
+          <p:cNvPr id="4" name="Inhaltsplatzhalter 3"/>
+          <p:cNvPicPr>
+            <a:picLocks noGrp="1" noChangeAspect="1"/>
+          </p:cNvPicPr>
+          <p:nvPr>
+            <p:ph idx="1"/>
+          </p:nvPr>
+        </p:nvPicPr>
+        <p:blipFill rotWithShape="1">
+          <a:blip r:embed="rId2" cstate="email">
+            <a:extLst>
+              <a:ext uri="{28A0092B-C50C-407E-A947-70E740481C1C}">
+                <a14:useLocalDpi xmlns:a14="http://schemas.microsoft.com/office/drawing/2010/main" val="0"/>
+              </a:ext>
+            </a:extLst>
+          </a:blip>
+          <a:srcRect t="16461" r="17025"/>
+          <a:stretch/>
+        </p:blipFill>
+        <p:spPr>
+          <a:xfrm>
+            <a:off x="914400" y="2254770"/>
+            <a:ext cx="6076335" cy="3441179"/>
+          </a:xfrm>
+        </p:spPr>
+      </p:pic>
+      <p:cxnSp>
+        <p:nvCxnSpPr>
+          <p:cNvPr id="6" name="Gerade Verbindung 5"/>
+          <p:cNvCxnSpPr/>
+          <p:nvPr/>
+        </p:nvCxnSpPr>
+        <p:spPr>
+          <a:xfrm flipV="1">
+            <a:off x="4365523" y="1864804"/>
+            <a:ext cx="0" cy="1024147"/>
+          </a:xfrm>
+          <a:prstGeom prst="line">
+            <a:avLst/>
+          </a:prstGeom>
+          <a:ln>
+            <a:solidFill>
+              <a:schemeClr val="tx2"/>
+            </a:solidFill>
+          </a:ln>
+        </p:spPr>
+        <p:style>
+          <a:lnRef idx="3">
+            <a:schemeClr val="accent6"/>
+          </a:lnRef>
+          <a:fillRef idx="0">
+            <a:schemeClr val="accent6"/>
+          </a:fillRef>
+          <a:effectRef idx="2">
+            <a:schemeClr val="accent6"/>
+          </a:effectRef>
+          <a:fontRef idx="minor">
+            <a:schemeClr val="tx1"/>
+          </a:fontRef>
+        </p:style>
+      </p:cxnSp>
+      <p:cxnSp>
+        <p:nvCxnSpPr>
+          <p:cNvPr id="7" name="Gerade Verbindung 6"/>
+          <p:cNvCxnSpPr/>
+          <p:nvPr/>
+        </p:nvCxnSpPr>
+        <p:spPr>
+          <a:xfrm flipV="1">
+            <a:off x="5594554" y="1524000"/>
+            <a:ext cx="973394" cy="834011"/>
+          </a:xfrm>
+          <a:prstGeom prst="line">
+            <a:avLst/>
+          </a:prstGeom>
+          <a:ln>
+            <a:solidFill>
+              <a:schemeClr val="tx2"/>
+            </a:solidFill>
+          </a:ln>
+        </p:spPr>
+        <p:style>
+          <a:lnRef idx="3">
+            <a:schemeClr val="accent6"/>
+          </a:lnRef>
+          <a:fillRef idx="0">
+            <a:schemeClr val="accent6"/>
+          </a:fillRef>
+          <a:effectRef idx="2">
+            <a:schemeClr val="accent6"/>
+          </a:effectRef>
+          <a:fontRef idx="minor">
+            <a:schemeClr val="tx1"/>
+          </a:fontRef>
+        </p:style>
+      </p:cxnSp>
+      <p:cxnSp>
+        <p:nvCxnSpPr>
+          <p:cNvPr id="11" name="Gerade Verbindung 10"/>
+          <p:cNvCxnSpPr/>
+          <p:nvPr/>
+        </p:nvCxnSpPr>
+        <p:spPr>
+          <a:xfrm flipH="1" flipV="1">
+            <a:off x="1342104" y="4306529"/>
+            <a:ext cx="29496" cy="1755058"/>
+          </a:xfrm>
+          <a:prstGeom prst="line">
+            <a:avLst/>
+          </a:prstGeom>
+          <a:ln>
+            <a:solidFill>
+              <a:schemeClr val="tx2"/>
+            </a:solidFill>
+          </a:ln>
+        </p:spPr>
+        <p:style>
+          <a:lnRef idx="3">
+            <a:schemeClr val="accent6"/>
+          </a:lnRef>
+          <a:fillRef idx="0">
+            <a:schemeClr val="accent6"/>
+          </a:fillRef>
+          <a:effectRef idx="2">
+            <a:schemeClr val="accent6"/>
+          </a:effectRef>
+          <a:fontRef idx="minor">
+            <a:schemeClr val="tx1"/>
+          </a:fontRef>
+        </p:style>
+      </p:cxnSp>
+      <p:cxnSp>
+        <p:nvCxnSpPr>
+          <p:cNvPr id="13" name="Gerade Verbindung 12"/>
+          <p:cNvCxnSpPr/>
+          <p:nvPr/>
+        </p:nvCxnSpPr>
+        <p:spPr>
+          <a:xfrm flipH="1" flipV="1">
+            <a:off x="2359743" y="5368413"/>
+            <a:ext cx="29496" cy="530942"/>
+          </a:xfrm>
+          <a:prstGeom prst="line">
+            <a:avLst/>
+          </a:prstGeom>
+          <a:ln>
+            <a:solidFill>
+              <a:schemeClr val="tx2"/>
+            </a:solidFill>
+          </a:ln>
+        </p:spPr>
+        <p:style>
+          <a:lnRef idx="3">
+            <a:schemeClr val="accent6"/>
+          </a:lnRef>
+          <a:fillRef idx="0">
+            <a:schemeClr val="accent6"/>
+          </a:fillRef>
+          <a:effectRef idx="2">
+            <a:schemeClr val="accent6"/>
+          </a:effectRef>
+          <a:fontRef idx="minor">
+            <a:schemeClr val="tx1"/>
+          </a:fontRef>
+        </p:style>
+      </p:cxnSp>
+      <p:cxnSp>
+        <p:nvCxnSpPr>
+          <p:cNvPr id="15" name="Gerade Verbindung 14"/>
+          <p:cNvCxnSpPr>
+            <a:stCxn id="40" idx="0"/>
+          </p:cNvCxnSpPr>
+          <p:nvPr/>
+        </p:nvCxnSpPr>
+        <p:spPr>
+          <a:xfrm flipH="1" flipV="1">
+            <a:off x="3725269" y="4862050"/>
+            <a:ext cx="29490" cy="968702"/>
+          </a:xfrm>
+          <a:prstGeom prst="line">
+            <a:avLst/>
+          </a:prstGeom>
+          <a:ln>
+            <a:solidFill>
+              <a:schemeClr val="tx2"/>
+            </a:solidFill>
+          </a:ln>
+        </p:spPr>
+        <p:style>
+          <a:lnRef idx="3">
+            <a:schemeClr val="accent6"/>
+          </a:lnRef>
+          <a:fillRef idx="0">
+            <a:schemeClr val="accent6"/>
+          </a:fillRef>
+          <a:effectRef idx="2">
+            <a:schemeClr val="accent6"/>
+          </a:effectRef>
+          <a:fontRef idx="minor">
+            <a:schemeClr val="tx1"/>
+          </a:fontRef>
+        </p:style>
+      </p:cxnSp>
+      <p:cxnSp>
+        <p:nvCxnSpPr>
+          <p:cNvPr id="16" name="Gerade Verbindung 15"/>
+          <p:cNvCxnSpPr/>
+          <p:nvPr/>
+        </p:nvCxnSpPr>
+        <p:spPr>
+          <a:xfrm flipH="1" flipV="1">
+            <a:off x="4572000" y="4894731"/>
+            <a:ext cx="29496" cy="1004624"/>
+          </a:xfrm>
+          <a:prstGeom prst="line">
+            <a:avLst/>
+          </a:prstGeom>
+          <a:ln>
+            <a:solidFill>
+              <a:schemeClr val="tx2"/>
+            </a:solidFill>
+          </a:ln>
+        </p:spPr>
+        <p:style>
+          <a:lnRef idx="3">
+            <a:schemeClr val="accent6"/>
+          </a:lnRef>
+          <a:fillRef idx="0">
+            <a:schemeClr val="accent6"/>
+          </a:fillRef>
+          <a:effectRef idx="2">
+            <a:schemeClr val="accent6"/>
+          </a:effectRef>
+          <a:fontRef idx="minor">
+            <a:schemeClr val="tx1"/>
+          </a:fontRef>
+        </p:style>
+      </p:cxnSp>
+      <p:cxnSp>
+        <p:nvCxnSpPr>
+          <p:cNvPr id="17" name="Gerade Verbindung 16"/>
+          <p:cNvCxnSpPr/>
+          <p:nvPr/>
+        </p:nvCxnSpPr>
+        <p:spPr>
+          <a:xfrm flipH="1" flipV="1">
+            <a:off x="5088194" y="4355549"/>
+            <a:ext cx="29496" cy="1514309"/>
+          </a:xfrm>
+          <a:prstGeom prst="line">
+            <a:avLst/>
+          </a:prstGeom>
+          <a:ln>
+            <a:solidFill>
+              <a:schemeClr val="tx2"/>
+            </a:solidFill>
+          </a:ln>
+        </p:spPr>
+        <p:style>
+          <a:lnRef idx="3">
+            <a:schemeClr val="accent6"/>
+          </a:lnRef>
+          <a:fillRef idx="0">
+            <a:schemeClr val="accent6"/>
+          </a:fillRef>
+          <a:effectRef idx="2">
+            <a:schemeClr val="accent6"/>
+          </a:effectRef>
+          <a:fontRef idx="minor">
+            <a:schemeClr val="tx1"/>
+          </a:fontRef>
+        </p:style>
+      </p:cxnSp>
+      <p:cxnSp>
+        <p:nvCxnSpPr>
+          <p:cNvPr id="19" name="Gerade Verbindung 18"/>
+          <p:cNvCxnSpPr/>
+          <p:nvPr/>
+        </p:nvCxnSpPr>
+        <p:spPr>
+          <a:xfrm flipH="1" flipV="1">
+            <a:off x="5958349" y="5102943"/>
+            <a:ext cx="29496" cy="727811"/>
+          </a:xfrm>
+          <a:prstGeom prst="line">
+            <a:avLst/>
+          </a:prstGeom>
+          <a:ln>
+            <a:solidFill>
+              <a:schemeClr val="tx2"/>
+            </a:solidFill>
+          </a:ln>
+        </p:spPr>
+        <p:style>
+          <a:lnRef idx="3">
+            <a:schemeClr val="accent6"/>
+          </a:lnRef>
+          <a:fillRef idx="0">
+            <a:schemeClr val="accent6"/>
+          </a:fillRef>
+          <a:effectRef idx="2">
+            <a:schemeClr val="accent6"/>
+          </a:effectRef>
+          <a:fontRef idx="minor">
+            <a:schemeClr val="tx1"/>
+          </a:fontRef>
+        </p:style>
+      </p:cxnSp>
+      <p:cxnSp>
+        <p:nvCxnSpPr>
+          <p:cNvPr id="21" name="Gerade Verbindung 20"/>
+          <p:cNvCxnSpPr/>
+          <p:nvPr/>
+        </p:nvCxnSpPr>
+        <p:spPr>
+          <a:xfrm flipV="1">
+            <a:off x="6474542" y="3996813"/>
+            <a:ext cx="786581" cy="132735"/>
+          </a:xfrm>
+          <a:prstGeom prst="line">
+            <a:avLst/>
+          </a:prstGeom>
+          <a:ln>
+            <a:solidFill>
+              <a:schemeClr val="tx2"/>
+            </a:solidFill>
+          </a:ln>
+        </p:spPr>
+        <p:style>
+          <a:lnRef idx="3">
+            <a:schemeClr val="accent6"/>
+          </a:lnRef>
+          <a:fillRef idx="0">
+            <a:schemeClr val="accent6"/>
+          </a:fillRef>
+          <a:effectRef idx="2">
+            <a:schemeClr val="accent6"/>
+          </a:effectRef>
+          <a:fontRef idx="minor">
+            <a:schemeClr val="tx1"/>
+          </a:fontRef>
+        </p:style>
+      </p:cxnSp>
+      <p:cxnSp>
+        <p:nvCxnSpPr>
+          <p:cNvPr id="23" name="Gerade Verbindung 22"/>
+          <p:cNvCxnSpPr/>
+          <p:nvPr/>
+        </p:nvCxnSpPr>
+        <p:spPr>
+          <a:xfrm flipV="1">
+            <a:off x="5815780" y="2888951"/>
+            <a:ext cx="1317523" cy="374351"/>
+          </a:xfrm>
+          <a:prstGeom prst="line">
+            <a:avLst/>
+          </a:prstGeom>
+          <a:ln>
+            <a:solidFill>
+              <a:schemeClr val="tx2"/>
+            </a:solidFill>
+          </a:ln>
+        </p:spPr>
+        <p:style>
+          <a:lnRef idx="3">
+            <a:schemeClr val="accent6"/>
+          </a:lnRef>
+          <a:fillRef idx="0">
+            <a:schemeClr val="accent6"/>
+          </a:fillRef>
+          <a:effectRef idx="2">
+            <a:schemeClr val="accent6"/>
+          </a:effectRef>
+          <a:fontRef idx="minor">
+            <a:schemeClr val="tx1"/>
+          </a:fontRef>
+        </p:style>
+      </p:cxnSp>
+      <p:sp>
+        <p:nvSpPr>
+          <p:cNvPr id="26" name="Textfeld 25"/>
+          <p:cNvSpPr txBox="1"/>
+          <p:nvPr/>
+        </p:nvSpPr>
+        <p:spPr>
+          <a:xfrm>
+            <a:off x="3576237" y="1267738"/>
+            <a:ext cx="2050517" cy="830997"/>
+          </a:xfrm>
+          <a:prstGeom prst="rect">
+            <a:avLst/>
+          </a:prstGeom>
+          <a:noFill/>
+        </p:spPr>
+        <p:txBody>
+          <a:bodyPr wrap="square" rtlCol="0">
+            <a:spAutoFit/>
+          </a:bodyPr>
+          <a:lstStyle/>
+          <a:p>
+            <a:r>
+              <a:rPr lang="de-CH" sz="2400" b="1" dirty="0" smtClean="0"/>
+              <a:t>Test </a:t>
+            </a:r>
+            <a:r>
+              <a:rPr lang="de-CH" sz="2400" b="1" dirty="0" err="1" smtClean="0"/>
+              <a:t>point</a:t>
+            </a:r>
+            <a:endParaRPr lang="de-CH" sz="2400" b="1" dirty="0" smtClean="0"/>
+          </a:p>
+          <a:p>
+            <a:r>
+              <a:rPr lang="de-CH" sz="2400" b="1" dirty="0" err="1" smtClean="0"/>
+              <a:t>Map</a:t>
+            </a:r>
+            <a:endParaRPr lang="de-CH" sz="2400" b="1" dirty="0"/>
+          </a:p>
+        </p:txBody>
+      </p:sp>
+      <p:sp>
+        <p:nvSpPr>
+          <p:cNvPr id="27" name="Textfeld 26"/>
+          <p:cNvSpPr txBox="1"/>
+          <p:nvPr/>
+        </p:nvSpPr>
+        <p:spPr>
+          <a:xfrm>
+            <a:off x="7133303" y="2658118"/>
+            <a:ext cx="752168" cy="461665"/>
+          </a:xfrm>
+          <a:prstGeom prst="rect">
+            <a:avLst/>
+          </a:prstGeom>
+          <a:noFill/>
+        </p:spPr>
+        <p:txBody>
+          <a:bodyPr wrap="square" rtlCol="0">
+            <a:spAutoFit/>
+          </a:bodyPr>
+          <a:lstStyle/>
+          <a:p>
+            <a:r>
+              <a:rPr lang="de-CH" sz="2400" b="1" dirty="0" smtClean="0"/>
+              <a:t>A</a:t>
+            </a:r>
+            <a:endParaRPr lang="de-CH" sz="2400" b="1" dirty="0"/>
+          </a:p>
+        </p:txBody>
+      </p:sp>
+      <p:sp>
+        <p:nvSpPr>
+          <p:cNvPr id="32" name="Textfeld 31"/>
+          <p:cNvSpPr txBox="1"/>
+          <p:nvPr/>
+        </p:nvSpPr>
+        <p:spPr>
+          <a:xfrm>
+            <a:off x="7285703" y="3765980"/>
+            <a:ext cx="752168" cy="461665"/>
+          </a:xfrm>
+          <a:prstGeom prst="rect">
+            <a:avLst/>
+          </a:prstGeom>
+          <a:noFill/>
+        </p:spPr>
+        <p:txBody>
+          <a:bodyPr wrap="square" rtlCol="0">
+            <a:spAutoFit/>
+          </a:bodyPr>
+          <a:lstStyle/>
+          <a:p>
+            <a:r>
+              <a:rPr lang="de-CH" sz="2400" b="1" dirty="0"/>
+              <a:t>B</a:t>
+            </a:r>
+          </a:p>
+        </p:txBody>
+      </p:sp>
+      <p:sp>
+        <p:nvSpPr>
+          <p:cNvPr id="33" name="Textfeld 32"/>
+          <p:cNvSpPr txBox="1"/>
+          <p:nvPr/>
+        </p:nvSpPr>
+        <p:spPr>
+          <a:xfrm>
+            <a:off x="5815780" y="5830753"/>
+            <a:ext cx="752168" cy="461665"/>
+          </a:xfrm>
+          <a:prstGeom prst="rect">
+            <a:avLst/>
+          </a:prstGeom>
+          <a:noFill/>
+        </p:spPr>
+        <p:txBody>
+          <a:bodyPr wrap="square" rtlCol="0">
+            <a:spAutoFit/>
+          </a:bodyPr>
+          <a:lstStyle/>
+          <a:p>
+            <a:r>
+              <a:rPr lang="de-CH" sz="2400" b="1" dirty="0"/>
+              <a:t>C</a:t>
+            </a:r>
+          </a:p>
+        </p:txBody>
+      </p:sp>
+      <p:sp>
+        <p:nvSpPr>
+          <p:cNvPr id="35" name="Textfeld 34"/>
+          <p:cNvSpPr txBox="1"/>
+          <p:nvPr/>
+        </p:nvSpPr>
+        <p:spPr>
+          <a:xfrm>
+            <a:off x="4967746" y="5830754"/>
+            <a:ext cx="752168" cy="461665"/>
+          </a:xfrm>
+          <a:prstGeom prst="rect">
+            <a:avLst/>
+          </a:prstGeom>
+          <a:noFill/>
+        </p:spPr>
+        <p:txBody>
+          <a:bodyPr wrap="square" rtlCol="0">
+            <a:spAutoFit/>
+          </a:bodyPr>
+          <a:lstStyle/>
+          <a:p>
+            <a:r>
+              <a:rPr lang="de-CH" sz="2400" b="1" dirty="0"/>
+              <a:t>D</a:t>
+            </a:r>
+            <a:endParaRPr lang="de-CH" sz="2400" b="1" dirty="0"/>
+          </a:p>
+        </p:txBody>
+      </p:sp>
+      <p:sp>
+        <p:nvSpPr>
+          <p:cNvPr id="39" name="Textfeld 38"/>
+          <p:cNvSpPr txBox="1"/>
+          <p:nvPr/>
+        </p:nvSpPr>
+        <p:spPr>
+          <a:xfrm>
+            <a:off x="4370216" y="5845502"/>
+            <a:ext cx="683789" cy="461665"/>
+          </a:xfrm>
+          <a:prstGeom prst="rect">
+            <a:avLst/>
+          </a:prstGeom>
+          <a:noFill/>
+        </p:spPr>
+        <p:txBody>
+          <a:bodyPr wrap="square" rtlCol="0">
+            <a:spAutoFit/>
+          </a:bodyPr>
+          <a:lstStyle/>
+          <a:p>
+            <a:r>
+              <a:rPr lang="de-CH" sz="2400" b="1" dirty="0" smtClean="0"/>
+              <a:t>E</a:t>
+            </a:r>
+            <a:endParaRPr lang="de-CH" sz="2400" b="1" dirty="0"/>
+          </a:p>
+        </p:txBody>
+      </p:sp>
+      <p:sp>
+        <p:nvSpPr>
+          <p:cNvPr id="40" name="Textfeld 39"/>
+          <p:cNvSpPr txBox="1"/>
+          <p:nvPr/>
+        </p:nvSpPr>
+        <p:spPr>
+          <a:xfrm>
+            <a:off x="3542469" y="5830752"/>
+            <a:ext cx="424579" cy="461665"/>
+          </a:xfrm>
+          <a:prstGeom prst="rect">
+            <a:avLst/>
+          </a:prstGeom>
+          <a:noFill/>
+        </p:spPr>
+        <p:txBody>
+          <a:bodyPr wrap="square" rtlCol="0">
+            <a:spAutoFit/>
+          </a:bodyPr>
+          <a:lstStyle/>
+          <a:p>
+            <a:r>
+              <a:rPr lang="de-CH" sz="2400" b="1" dirty="0"/>
+              <a:t>F</a:t>
+            </a:r>
+            <a:endParaRPr lang="de-CH" sz="2400" b="1" dirty="0"/>
+          </a:p>
+        </p:txBody>
+      </p:sp>
+      <p:sp>
+        <p:nvSpPr>
+          <p:cNvPr id="42" name="Textfeld 41"/>
+          <p:cNvSpPr txBox="1"/>
+          <p:nvPr/>
+        </p:nvSpPr>
+        <p:spPr>
+          <a:xfrm>
+            <a:off x="1833333" y="5845501"/>
+            <a:ext cx="1465764" cy="830998"/>
+          </a:xfrm>
+          <a:prstGeom prst="rect">
+            <a:avLst/>
+          </a:prstGeom>
+          <a:noFill/>
+        </p:spPr>
+        <p:txBody>
+          <a:bodyPr wrap="square" rtlCol="0">
+            <a:spAutoFit/>
+          </a:bodyPr>
+          <a:lstStyle/>
+          <a:p>
+            <a:r>
+              <a:rPr lang="de-CH" sz="2400" b="1" dirty="0" smtClean="0"/>
+              <a:t>3.3V !</a:t>
+            </a:r>
+            <a:endParaRPr lang="de-CH" sz="2400" b="1" dirty="0"/>
+          </a:p>
+        </p:txBody>
+      </p:sp>
+      <p:sp>
+        <p:nvSpPr>
+          <p:cNvPr id="43" name="Textfeld 42"/>
+          <p:cNvSpPr txBox="1"/>
+          <p:nvPr/>
+        </p:nvSpPr>
+        <p:spPr>
+          <a:xfrm>
+            <a:off x="916538" y="6089349"/>
+            <a:ext cx="910124" cy="461665"/>
+          </a:xfrm>
+          <a:prstGeom prst="rect">
+            <a:avLst/>
+          </a:prstGeom>
+          <a:noFill/>
+        </p:spPr>
+        <p:txBody>
+          <a:bodyPr wrap="square" rtlCol="0">
+            <a:spAutoFit/>
+          </a:bodyPr>
+          <a:lstStyle/>
+          <a:p>
+            <a:r>
+              <a:rPr lang="de-CH" sz="2400" b="1" dirty="0" smtClean="0"/>
+              <a:t>Key</a:t>
+            </a:r>
+            <a:endParaRPr lang="de-CH" sz="2400" b="1" dirty="0"/>
+          </a:p>
+        </p:txBody>
+      </p:sp>
+      <p:sp>
+        <p:nvSpPr>
+          <p:cNvPr id="45" name="Textfeld 44"/>
+          <p:cNvSpPr txBox="1"/>
+          <p:nvPr/>
+        </p:nvSpPr>
+        <p:spPr>
+          <a:xfrm>
+            <a:off x="5792350" y="1171575"/>
+            <a:ext cx="2093121" cy="461665"/>
+          </a:xfrm>
+          <a:prstGeom prst="rect">
+            <a:avLst/>
+          </a:prstGeom>
+          <a:noFill/>
+        </p:spPr>
+        <p:txBody>
+          <a:bodyPr wrap="square" rtlCol="0">
+            <a:spAutoFit/>
+          </a:bodyPr>
+          <a:lstStyle/>
+          <a:p>
+            <a:r>
+              <a:rPr lang="de-CH" sz="2400" b="1" dirty="0" smtClean="0"/>
+              <a:t>Test </a:t>
+            </a:r>
+            <a:r>
+              <a:rPr lang="de-CH" sz="2400" b="1" dirty="0" err="1" smtClean="0"/>
+              <a:t>points</a:t>
+            </a:r>
+            <a:endParaRPr lang="de-CH" sz="2400" b="1" dirty="0"/>
+          </a:p>
+        </p:txBody>
+      </p:sp>
+      <p:sp>
+        <p:nvSpPr>
+          <p:cNvPr id="46" name="Foliennummernplatzhalter 45"/>
+          <p:cNvSpPr>
+            <a:spLocks noGrp="1"/>
+          </p:cNvSpPr>
+          <p:nvPr>
+            <p:ph type="sldNum" sz="quarter" idx="12"/>
+          </p:nvPr>
+        </p:nvSpPr>
+        <p:spPr/>
+        <p:txBody>
+          <a:bodyPr/>
+          <a:lstStyle/>
+          <a:p>
+            <a:fld id="{0CFEC368-1D7A-4F81-ABF6-AE0E36BAF64C}" type="slidenum">
+              <a:rPr lang="en-US" smtClean="0"/>
+              <a:pPr/>
+              <a:t>7</a:t>
+            </a:fld>
+            <a:endParaRPr lang="en-US"/>
+          </a:p>
+        </p:txBody>
+      </p:sp>
+    </p:spTree>
+    <p:extLst>
+      <p:ext uri="{BB962C8B-B14F-4D97-AF65-F5344CB8AC3E}">
+        <p14:creationId xmlns:p14="http://schemas.microsoft.com/office/powerpoint/2010/main" val="3336047564"/>
+      </p:ext>
+    </p:extLst>
+  </p:cSld>
+  <p:clrMapOvr>
+    <a:masterClrMapping/>
+  </p:clrMapOvr>
+  <p:timing>
+    <p:tnLst>
+      <p:par>
+        <p:cTn id="1" dur="indefinite" restart="never" nodeType="tmRoot"/>
+      </p:par>
+    </p:tnLst>
+  </p:timing>
+</p:sld>
+</file>
+
+<file path=ppt/slides/slide8.xml><?xml version="1.0" encoding="utf-8"?>
+<p:sld xmlns:a="http://schemas.openxmlformats.org/drawingml/2006/main" xmlns:r="http://schemas.openxmlformats.org/officeDocument/2006/relationships" xmlns:p="http://schemas.openxmlformats.org/presentationml/2006/main">
+  <p:cSld>
+    <p:spTree>
+      <p:nvGrpSpPr>
+        <p:cNvPr id="1" name=""/>
+        <p:cNvGrpSpPr/>
+        <p:nvPr/>
+      </p:nvGrpSpPr>
+      <p:grpSpPr>
+        <a:xfrm>
+          <a:off x="0" y="0"/>
+          <a:ext cx="0" cy="0"/>
+          <a:chOff x="0" y="0"/>
+          <a:chExt cx="0" cy="0"/>
+        </a:xfrm>
+      </p:grpSpPr>
+      <p:sp>
+        <p:nvSpPr>
+          <p:cNvPr id="2" name="Titel 1"/>
+          <p:cNvSpPr>
+            <a:spLocks noGrp="1"/>
+          </p:cNvSpPr>
+          <p:nvPr>
+            <p:ph type="title"/>
+          </p:nvPr>
+        </p:nvSpPr>
+        <p:spPr/>
+        <p:txBody>
+          <a:bodyPr/>
+          <a:lstStyle/>
+          <a:p>
+            <a:r>
+              <a:rPr lang="de-CH" dirty="0" smtClean="0"/>
+              <a:t>Pull-</a:t>
+            </a:r>
+            <a:r>
+              <a:rPr lang="de-CH" dirty="0" err="1" smtClean="0"/>
+              <a:t>up</a:t>
+            </a:r>
+            <a:r>
+              <a:rPr lang="de-CH" dirty="0" smtClean="0"/>
+              <a:t> / Pull-down, </a:t>
+            </a:r>
+            <a:r>
+              <a:rPr lang="de-CH" dirty="0" err="1" smtClean="0"/>
+              <a:t>Debounce</a:t>
+            </a:r>
+            <a:endParaRPr lang="de-CH" dirty="0"/>
+          </a:p>
+        </p:txBody>
+      </p:sp>
+      <p:cxnSp>
+        <p:nvCxnSpPr>
+          <p:cNvPr id="7" name="Gerade Verbindung 6"/>
+          <p:cNvCxnSpPr/>
+          <p:nvPr/>
+        </p:nvCxnSpPr>
+        <p:spPr>
+          <a:xfrm flipV="1">
+            <a:off x="4572000" y="1769806"/>
+            <a:ext cx="0" cy="4572000"/>
+          </a:xfrm>
+          <a:prstGeom prst="line">
+            <a:avLst/>
+          </a:prstGeom>
+          <a:ln>
+            <a:solidFill>
+              <a:schemeClr val="tx1"/>
+            </a:solidFill>
+          </a:ln>
+        </p:spPr>
+        <p:style>
+          <a:lnRef idx="3">
+            <a:schemeClr val="accent6"/>
+          </a:lnRef>
+          <a:fillRef idx="0">
+            <a:schemeClr val="accent6"/>
+          </a:fillRef>
+          <a:effectRef idx="2">
+            <a:schemeClr val="accent6"/>
+          </a:effectRef>
+          <a:fontRef idx="minor">
+            <a:schemeClr val="tx1"/>
+          </a:fontRef>
+        </p:style>
+      </p:cxnSp>
+      <p:pic>
+        <p:nvPicPr>
+          <p:cNvPr id="1026" name="Picture 2"/>
+          <p:cNvPicPr>
+            <a:picLocks noGrp="1" noChangeAspect="1" noChangeArrowheads="1"/>
+          </p:cNvPicPr>
+          <p:nvPr>
+            <p:ph idx="1"/>
+          </p:nvPr>
+        </p:nvPicPr>
+        <p:blipFill rotWithShape="1">
+          <a:blip r:embed="rId2" cstate="email">
+            <a:extLst>
+              <a:ext uri="{28A0092B-C50C-407E-A947-70E740481C1C}">
+                <a14:useLocalDpi xmlns:a14="http://schemas.microsoft.com/office/drawing/2010/main" val="0"/>
+              </a:ext>
+            </a:extLst>
+          </a:blip>
+          <a:srcRect l="619" r="44423" b="-813"/>
+          <a:stretch/>
+        </p:blipFill>
+        <p:spPr bwMode="auto">
+          <a:xfrm>
+            <a:off x="339725" y="3429000"/>
+            <a:ext cx="4060826" cy="3126337"/>
+          </a:xfrm>
+          <a:prstGeom prst="rect">
+            <a:avLst/>
+          </a:prstGeom>
+          <a:noFill/>
+          <a:ln>
+            <a:noFill/>
+          </a:ln>
+          <a:extLst>
+            <a:ext uri="{909E8E84-426E-40DD-AFC4-6F175D3DCCD1}">
+              <a14:hiddenFill xmlns:a14="http://schemas.microsoft.com/office/drawing/2010/main">
+                <a:solidFill>
+                  <a:schemeClr val="accent1"/>
+                </a:solidFill>
+              </a14:hiddenFill>
+            </a:ext>
+            <a:ext uri="{91240B29-F687-4F45-9708-019B960494DF}">
+              <a14:hiddenLine xmlns:a14="http://schemas.microsoft.com/office/drawing/2010/main" w="9525">
+                <a:solidFill>
+                  <a:schemeClr val="tx1"/>
+                </a:solidFill>
+                <a:miter lim="800000"/>
+                <a:headEnd/>
+                <a:tailEnd/>
+              </a14:hiddenLine>
+            </a:ext>
+          </a:extLst>
+        </p:spPr>
+      </p:pic>
+      <p:pic>
+        <p:nvPicPr>
+          <p:cNvPr id="11" name="Picture 2"/>
+          <p:cNvPicPr>
+            <a:picLocks noChangeAspect="1" noChangeArrowheads="1"/>
+          </p:cNvPicPr>
+          <p:nvPr/>
+        </p:nvPicPr>
+        <p:blipFill rotWithShape="1">
+          <a:blip r:embed="rId2" cstate="email">
+            <a:extLst>
+              <a:ext uri="{28A0092B-C50C-407E-A947-70E740481C1C}">
+                <a14:useLocalDpi xmlns:a14="http://schemas.microsoft.com/office/drawing/2010/main" val="0"/>
+              </a:ext>
+            </a:extLst>
+          </a:blip>
+          <a:srcRect l="48694" b="-813"/>
+          <a:stretch/>
+        </p:blipFill>
+        <p:spPr bwMode="auto">
+          <a:xfrm>
+            <a:off x="4819650" y="3429000"/>
+            <a:ext cx="3790950" cy="3126337"/>
+          </a:xfrm>
+          <a:prstGeom prst="rect">
+            <a:avLst/>
+          </a:prstGeom>
+          <a:noFill/>
+          <a:ln>
+            <a:noFill/>
+          </a:ln>
+          <a:extLst>
+            <a:ext uri="{909E8E84-426E-40DD-AFC4-6F175D3DCCD1}">
+              <a14:hiddenFill xmlns:a14="http://schemas.microsoft.com/office/drawing/2010/main">
+                <a:solidFill>
+                  <a:schemeClr val="accent1"/>
+                </a:solidFill>
+              </a14:hiddenFill>
+            </a:ext>
+            <a:ext uri="{91240B29-F687-4F45-9708-019B960494DF}">
+              <a14:hiddenLine xmlns:a14="http://schemas.microsoft.com/office/drawing/2010/main" w="9525">
+                <a:solidFill>
+                  <a:schemeClr val="tx1"/>
+                </a:solidFill>
+                <a:miter lim="800000"/>
+                <a:headEnd/>
+                <a:tailEnd/>
+              </a14:hiddenLine>
+            </a:ext>
+          </a:extLst>
+        </p:spPr>
+      </p:pic>
+      <p:pic>
+        <p:nvPicPr>
+          <p:cNvPr id="1027" name="Picture 3"/>
+          <p:cNvPicPr>
+            <a:picLocks noChangeAspect="1" noChangeArrowheads="1"/>
+          </p:cNvPicPr>
+          <p:nvPr/>
+        </p:nvPicPr>
+        <p:blipFill rotWithShape="1">
+          <a:blip r:embed="rId3" cstate="email">
+            <a:extLst>
+              <a:ext uri="{28A0092B-C50C-407E-A947-70E740481C1C}">
+                <a14:useLocalDpi xmlns:a14="http://schemas.microsoft.com/office/drawing/2010/main" val="0"/>
+              </a:ext>
+            </a:extLst>
+          </a:blip>
+          <a:srcRect l="25099" t="65278" r="39538" b="15079"/>
+          <a:stretch/>
+        </p:blipFill>
+        <p:spPr bwMode="auto">
+          <a:xfrm>
+            <a:off x="638630" y="2264228"/>
+            <a:ext cx="3193142" cy="997227"/>
+          </a:xfrm>
+          <a:prstGeom prst="rect">
+            <a:avLst/>
+          </a:prstGeom>
+          <a:noFill/>
+          <a:ln>
+            <a:noFill/>
+          </a:ln>
+          <a:extLst>
+            <a:ext uri="{909E8E84-426E-40DD-AFC4-6F175D3DCCD1}">
+              <a14:hiddenFill xmlns:a14="http://schemas.microsoft.com/office/drawing/2010/main">
+                <a:solidFill>
+                  <a:schemeClr val="accent1"/>
+                </a:solidFill>
+              </a14:hiddenFill>
+            </a:ext>
+            <a:ext uri="{91240B29-F687-4F45-9708-019B960494DF}">
+              <a14:hiddenLine xmlns:a14="http://schemas.microsoft.com/office/drawing/2010/main" w="9525">
+                <a:solidFill>
+                  <a:schemeClr val="tx1"/>
+                </a:solidFill>
+                <a:miter lim="800000"/>
+                <a:headEnd/>
+                <a:tailEnd/>
+              </a14:hiddenLine>
+            </a:ext>
+          </a:extLst>
+        </p:spPr>
+      </p:pic>
+      <p:sp>
+        <p:nvSpPr>
+          <p:cNvPr id="10" name="Textfeld 9"/>
+          <p:cNvSpPr txBox="1"/>
+          <p:nvPr/>
+        </p:nvSpPr>
+        <p:spPr>
+          <a:xfrm>
+            <a:off x="798286" y="1769806"/>
+            <a:ext cx="1221014" cy="400110"/>
+          </a:xfrm>
+          <a:prstGeom prst="rect">
+            <a:avLst/>
+          </a:prstGeom>
+          <a:noFill/>
+        </p:spPr>
+        <p:txBody>
+          <a:bodyPr wrap="square" rtlCol="0">
+            <a:spAutoFit/>
+          </a:bodyPr>
+          <a:lstStyle/>
+          <a:p>
+            <a:r>
+              <a:rPr lang="de-CH" sz="2000" b="1" dirty="0" smtClean="0"/>
+              <a:t>Pull-</a:t>
+            </a:r>
+            <a:r>
+              <a:rPr lang="de-CH" sz="2000" b="1" dirty="0" err="1" smtClean="0"/>
+              <a:t>up</a:t>
+            </a:r>
+            <a:endParaRPr lang="de-CH" sz="2000" b="1" dirty="0"/>
+          </a:p>
+        </p:txBody>
+      </p:sp>
+      <p:pic>
+        <p:nvPicPr>
+          <p:cNvPr id="1029" name="Picture 5" descr="https://upload.wikimedia.org/wikipedia/commons/5/5a/Pullup_Resistor.png"/>
+          <p:cNvPicPr>
+            <a:picLocks noChangeAspect="1" noChangeArrowheads="1"/>
+          </p:cNvPicPr>
+          <p:nvPr/>
+        </p:nvPicPr>
+        <p:blipFill>
+          <a:blip r:embed="rId4" cstate="email">
+            <a:extLst>
+              <a:ext uri="{28A0092B-C50C-407E-A947-70E740481C1C}">
+                <a14:useLocalDpi xmlns:a14="http://schemas.microsoft.com/office/drawing/2010/main" val="0"/>
+              </a:ext>
+            </a:extLst>
+          </a:blip>
+          <a:srcRect/>
+          <a:stretch>
+            <a:fillRect/>
+          </a:stretch>
+        </p:blipFill>
+        <p:spPr bwMode="auto">
+          <a:xfrm>
+            <a:off x="7169716" y="1369240"/>
+            <a:ext cx="1337808" cy="1892215"/>
+          </a:xfrm>
+          <a:prstGeom prst="rect">
+            <a:avLst/>
+          </a:prstGeom>
+          <a:noFill/>
+          <a:extLst>
+            <a:ext uri="{909E8E84-426E-40DD-AFC4-6F175D3DCCD1}">
+              <a14:hiddenFill xmlns:a14="http://schemas.microsoft.com/office/drawing/2010/main">
+                <a:solidFill>
+                  <a:srgbClr val="FFFFFF"/>
+                </a:solidFill>
+              </a14:hiddenFill>
+            </a:ext>
+          </a:extLst>
+        </p:spPr>
+      </p:pic>
+      <p:sp>
+        <p:nvSpPr>
+          <p:cNvPr id="12" name="Rechteck 11"/>
+          <p:cNvSpPr/>
+          <p:nvPr/>
+        </p:nvSpPr>
+        <p:spPr>
+          <a:xfrm>
+            <a:off x="7662408" y="2315347"/>
+            <a:ext cx="385762" cy="288473"/>
+          </a:xfrm>
+          <a:prstGeom prst="rect">
+            <a:avLst/>
+          </a:prstGeom>
+          <a:solidFill>
+            <a:schemeClr val="bg1"/>
+          </a:solidFill>
+          <a:ln>
+            <a:solidFill>
+              <a:schemeClr val="bg1"/>
+            </a:solidFill>
+          </a:ln>
+        </p:spPr>
+        <p:style>
+          <a:lnRef idx="2">
+            <a:schemeClr val="accent1">
+              <a:shade val="50000"/>
+            </a:schemeClr>
+          </a:lnRef>
+          <a:fillRef idx="1">
+            <a:schemeClr val="accent1"/>
+          </a:fillRef>
+          <a:effectRef idx="0">
+            <a:schemeClr val="accent1"/>
+          </a:effectRef>
+          <a:fontRef idx="minor">
+            <a:schemeClr val="lt1"/>
+          </a:fontRef>
+        </p:style>
+        <p:txBody>
+          <a:bodyPr rtlCol="0" anchor="ctr"/>
+          <a:lstStyle/>
+          <a:p>
+            <a:pPr algn="ctr"/>
+            <a:endParaRPr lang="de-CH"/>
+          </a:p>
+        </p:txBody>
+      </p:sp>
+      <p:cxnSp>
+        <p:nvCxnSpPr>
+          <p:cNvPr id="14" name="Gerade Verbindung 13"/>
+          <p:cNvCxnSpPr/>
+          <p:nvPr/>
+        </p:nvCxnSpPr>
+        <p:spPr>
+          <a:xfrm>
+            <a:off x="7648120" y="2472283"/>
+            <a:ext cx="414337" cy="0"/>
+          </a:xfrm>
+          <a:prstGeom prst="line">
+            <a:avLst/>
+          </a:prstGeom>
+        </p:spPr>
+        <p:style>
+          <a:lnRef idx="2">
+            <a:schemeClr val="dk1"/>
+          </a:lnRef>
+          <a:fillRef idx="0">
+            <a:schemeClr val="dk1"/>
+          </a:fillRef>
+          <a:effectRef idx="1">
+            <a:schemeClr val="dk1"/>
+          </a:effectRef>
+          <a:fontRef idx="minor">
+            <a:schemeClr val="tx1"/>
+          </a:fontRef>
+        </p:style>
+      </p:cxnSp>
+      <p:sp>
+        <p:nvSpPr>
+          <p:cNvPr id="15" name="Textfeld 14"/>
+          <p:cNvSpPr txBox="1"/>
+          <p:nvPr/>
+        </p:nvSpPr>
+        <p:spPr>
+          <a:xfrm>
+            <a:off x="5138737" y="1769806"/>
+            <a:ext cx="1571625" cy="400110"/>
+          </a:xfrm>
+          <a:prstGeom prst="rect">
+            <a:avLst/>
+          </a:prstGeom>
+          <a:noFill/>
+        </p:spPr>
+        <p:txBody>
+          <a:bodyPr wrap="square" rtlCol="0">
+            <a:spAutoFit/>
+          </a:bodyPr>
+          <a:lstStyle/>
+          <a:p>
+            <a:r>
+              <a:rPr lang="de-CH" sz="2000" b="1" dirty="0" smtClean="0"/>
+              <a:t>Pull-down</a:t>
+            </a:r>
+            <a:endParaRPr lang="de-CH" sz="2000" b="1" dirty="0"/>
+          </a:p>
+        </p:txBody>
+      </p:sp>
+      <p:sp>
+        <p:nvSpPr>
+          <p:cNvPr id="16" name="Foliennummernplatzhalter 15"/>
+          <p:cNvSpPr>
+            <a:spLocks noGrp="1"/>
+          </p:cNvSpPr>
+          <p:nvPr>
+            <p:ph type="sldNum" sz="quarter" idx="12"/>
+          </p:nvPr>
+        </p:nvSpPr>
+        <p:spPr/>
+        <p:txBody>
+          <a:bodyPr/>
+          <a:lstStyle/>
+          <a:p>
+            <a:fld id="{0CFEC368-1D7A-4F81-ABF6-AE0E36BAF64C}" type="slidenum">
+              <a:rPr lang="en-US" smtClean="0"/>
+              <a:pPr/>
+              <a:t>8</a:t>
+            </a:fld>
+            <a:endParaRPr lang="en-US"/>
+          </a:p>
+        </p:txBody>
+      </p:sp>
+    </p:spTree>
+    <p:extLst>
+      <p:ext uri="{BB962C8B-B14F-4D97-AF65-F5344CB8AC3E}">
+        <p14:creationId xmlns:p14="http://schemas.microsoft.com/office/powerpoint/2010/main" val="3393265391"/>
+      </p:ext>
+    </p:extLst>
+  </p:cSld>
+  <p:clrMapOvr>
+    <a:masterClrMapping/>
+  </p:clrMapOvr>
+  <p:timing>
+    <p:tnLst>
+      <p:par>
+        <p:cTn id="1" dur="indefinite" restart="never" nodeType="tmRoot"/>
+      </p:par>
+    </p:tnLst>
+  </p:timing>
+</p:sld>
+</file>
+
+<file path=ppt/slides/slide9.xml><?xml version="1.0" encoding="utf-8"?>
+<p:sld xmlns:a="http://schemas.openxmlformats.org/drawingml/2006/main" xmlns:r="http://schemas.openxmlformats.org/officeDocument/2006/relationships" xmlns:p="http://schemas.openxmlformats.org/presentationml/2006/main">
+  <p:cSld>
+    <p:spTree>
+      <p:nvGrpSpPr>
+        <p:cNvPr id="1" name=""/>
+        <p:cNvGrpSpPr/>
+        <p:nvPr/>
+      </p:nvGrpSpPr>
+      <p:grpSpPr>
+        <a:xfrm>
+          <a:off x="0" y="0"/>
+          <a:ext cx="0" cy="0"/>
+          <a:chOff x="0" y="0"/>
+          <a:chExt cx="0" cy="0"/>
+        </a:xfrm>
+      </p:grpSpPr>
+      <p:sp>
+        <p:nvSpPr>
+          <p:cNvPr id="2" name="Titel 1"/>
+          <p:cNvSpPr>
+            <a:spLocks noGrp="1"/>
+          </p:cNvSpPr>
+          <p:nvPr>
+            <p:ph type="title"/>
+          </p:nvPr>
+        </p:nvSpPr>
+        <p:spPr/>
+        <p:txBody>
+          <a:bodyPr/>
+          <a:lstStyle/>
+          <a:p>
+            <a:r>
+              <a:rPr lang="de-CH" dirty="0" smtClean="0"/>
+              <a:t>Synchronisation - </a:t>
+            </a:r>
+            <a:r>
+              <a:rPr lang="de-CH" dirty="0" err="1" smtClean="0"/>
+              <a:t>Pollingway</a:t>
+            </a:r>
+            <a:endParaRPr lang="de-CH" dirty="0"/>
+          </a:p>
+        </p:txBody>
+      </p:sp>
+      <p:pic>
+        <p:nvPicPr>
+          <p:cNvPr id="3074" name="Picture 2"/>
+          <p:cNvPicPr>
+            <a:picLocks noGrp="1" noChangeAspect="1" noChangeArrowheads="1"/>
+          </p:cNvPicPr>
+          <p:nvPr>
+            <p:ph idx="1"/>
+          </p:nvPr>
+        </p:nvPicPr>
+        <p:blipFill rotWithShape="1">
+          <a:blip r:embed="rId2" cstate="email">
+            <a:extLst>
+              <a:ext uri="{28A0092B-C50C-407E-A947-70E740481C1C}">
+                <a14:useLocalDpi xmlns:a14="http://schemas.microsoft.com/office/drawing/2010/main" val="0"/>
+              </a:ext>
+            </a:extLst>
+          </a:blip>
+          <a:srcRect l="19907" t="24267" r="18171" b="12739"/>
+          <a:stretch/>
+        </p:blipFill>
+        <p:spPr bwMode="auto">
+          <a:xfrm>
+            <a:off x="2358591" y="1619250"/>
+            <a:ext cx="6328209" cy="3619499"/>
+          </a:xfrm>
+          <a:prstGeom prst="rect">
+            <a:avLst/>
+          </a:prstGeom>
+          <a:noFill/>
+          <a:ln>
+            <a:noFill/>
+          </a:ln>
+          <a:extLst>
+            <a:ext uri="{909E8E84-426E-40DD-AFC4-6F175D3DCCD1}">
+              <a14:hiddenFill xmlns:a14="http://schemas.microsoft.com/office/drawing/2010/main">
+                <a:solidFill>
+                  <a:schemeClr val="accent1"/>
+                </a:solidFill>
+              </a14:hiddenFill>
+            </a:ext>
+            <a:ext uri="{91240B29-F687-4F45-9708-019B960494DF}">
+              <a14:hiddenLine xmlns:a14="http://schemas.microsoft.com/office/drawing/2010/main" w="9525">
+                <a:solidFill>
+                  <a:schemeClr val="tx1"/>
+                </a:solidFill>
+                <a:miter lim="800000"/>
+                <a:headEnd/>
+                <a:tailEnd/>
+              </a14:hiddenLine>
+            </a:ext>
+          </a:extLst>
+        </p:spPr>
+      </p:pic>
+      <p:sp>
+        <p:nvSpPr>
+          <p:cNvPr id="4" name="Textfeld 3"/>
+          <p:cNvSpPr txBox="1"/>
+          <p:nvPr/>
+        </p:nvSpPr>
+        <p:spPr>
+          <a:xfrm>
+            <a:off x="457200" y="1733550"/>
+            <a:ext cx="1901391" cy="2862322"/>
+          </a:xfrm>
+          <a:prstGeom prst="rect">
+            <a:avLst/>
+          </a:prstGeom>
+          <a:noFill/>
+        </p:spPr>
+        <p:txBody>
+          <a:bodyPr wrap="square" rtlCol="0">
+            <a:spAutoFit/>
+          </a:bodyPr>
+          <a:lstStyle/>
+          <a:p>
+            <a:r>
+              <a:rPr lang="de-CH" sz="2000" b="1" dirty="0" smtClean="0"/>
+              <a:t>+ Simple </a:t>
+            </a:r>
+            <a:r>
+              <a:rPr lang="de-CH" sz="2000" b="1" dirty="0" err="1" smtClean="0"/>
+              <a:t>to</a:t>
+            </a:r>
+            <a:r>
+              <a:rPr lang="de-CH" sz="2000" b="1" dirty="0" smtClean="0"/>
+              <a:t/>
+            </a:r>
+            <a:br>
+              <a:rPr lang="de-CH" sz="2000" b="1" dirty="0" smtClean="0"/>
+            </a:br>
+            <a:r>
+              <a:rPr lang="de-CH" sz="2000" b="1" dirty="0" smtClean="0"/>
+              <a:t>  </a:t>
+            </a:r>
+            <a:r>
+              <a:rPr lang="de-CH" sz="2000" b="1" dirty="0" err="1" smtClean="0"/>
+              <a:t>understand</a:t>
+            </a:r>
+            <a:endParaRPr lang="de-CH" sz="2000" b="1" dirty="0" smtClean="0"/>
+          </a:p>
+          <a:p>
+            <a:endParaRPr lang="de-CH" sz="2000" b="1" dirty="0" smtClean="0"/>
+          </a:p>
+          <a:p>
+            <a:endParaRPr lang="de-CH" sz="2000" b="1" dirty="0"/>
+          </a:p>
+          <a:p>
+            <a:endParaRPr lang="de-CH" sz="2000" b="1" dirty="0" smtClean="0"/>
+          </a:p>
+          <a:p>
+            <a:endParaRPr lang="de-CH" sz="2000" b="1" dirty="0"/>
+          </a:p>
+          <a:p>
+            <a:endParaRPr lang="de-CH" sz="2000" b="1" dirty="0" smtClean="0"/>
+          </a:p>
+          <a:p>
+            <a:r>
+              <a:rPr lang="de-CH" sz="2000" b="1" dirty="0" smtClean="0"/>
+              <a:t>- Need </a:t>
+            </a:r>
+            <a:r>
+              <a:rPr lang="de-CH" sz="2000" b="1" dirty="0" err="1" smtClean="0"/>
+              <a:t>lot</a:t>
+            </a:r>
+            <a:r>
+              <a:rPr lang="de-CH" sz="2000" b="1" dirty="0" smtClean="0"/>
+              <a:t> </a:t>
+            </a:r>
+            <a:r>
+              <a:rPr lang="de-CH" sz="2000" b="1" dirty="0" err="1" smtClean="0"/>
+              <a:t>of</a:t>
+            </a:r>
+            <a:r>
+              <a:rPr lang="de-CH" sz="2000" b="1" dirty="0"/>
+              <a:t/>
+            </a:r>
+            <a:br>
+              <a:rPr lang="de-CH" sz="2000" b="1" dirty="0"/>
+            </a:br>
+            <a:r>
+              <a:rPr lang="de-CH" sz="2000" b="1" dirty="0" smtClean="0"/>
+              <a:t>  CPU.</a:t>
+            </a:r>
+            <a:endParaRPr lang="de-CH" sz="2000" b="1" dirty="0"/>
+          </a:p>
+        </p:txBody>
+      </p:sp>
+      <p:sp>
+        <p:nvSpPr>
+          <p:cNvPr id="5" name="Foliennummernplatzhalter 4"/>
+          <p:cNvSpPr>
+            <a:spLocks noGrp="1"/>
+          </p:cNvSpPr>
+          <p:nvPr>
+            <p:ph type="sldNum" sz="quarter" idx="12"/>
+          </p:nvPr>
+        </p:nvSpPr>
+        <p:spPr/>
+        <p:txBody>
+          <a:bodyPr/>
+          <a:lstStyle/>
+          <a:p>
+            <a:fld id="{0CFEC368-1D7A-4F81-ABF6-AE0E36BAF64C}" type="slidenum">
+              <a:rPr lang="en-US" smtClean="0"/>
+              <a:pPr/>
+              <a:t>9</a:t>
+            </a:fld>
+            <a:endParaRPr lang="en-US"/>
+          </a:p>
+        </p:txBody>
+      </p:sp>
+    </p:spTree>
+    <p:extLst>
+      <p:ext uri="{BB962C8B-B14F-4D97-AF65-F5344CB8AC3E}">
+        <p14:creationId xmlns:p14="http://schemas.microsoft.com/office/powerpoint/2010/main" val="186930437"/>
+      </p:ext>
+    </p:extLst>
+  </p:cSld>
+  <p:clrMapOvr>
+    <a:masterClrMapping/>
+  </p:clrMapOvr>
+  <p:timing>
+    <p:tnLst>
+      <p:par>
+        <p:cTn id="1" dur="indefinite" restart="never" nodeType="tmRoot"/>
+      </p:par>
+    </p:tnLst>
+  </p:timing>
 </p:sld>
 </file>
 

--- a/SW04_Monday.pptx
+++ b/SW04_Monday.pptx
@@ -5,7 +5,7 @@
     <p:sldMasterId id="2147483960" r:id="rId1"/>
   </p:sldMasterIdLst>
   <p:notesMasterIdLst>
-    <p:notesMasterId r:id="rId13"/>
+    <p:notesMasterId r:id="rId15"/>
   </p:notesMasterIdLst>
   <p:sldIdLst>
     <p:sldId id="256" r:id="rId2"/>
@@ -16,9 +16,11 @@
     <p:sldId id="261" r:id="rId7"/>
     <p:sldId id="262" r:id="rId8"/>
     <p:sldId id="263" r:id="rId9"/>
-    <p:sldId id="265" r:id="rId10"/>
-    <p:sldId id="266" r:id="rId11"/>
-    <p:sldId id="267" r:id="rId12"/>
+    <p:sldId id="271" r:id="rId10"/>
+    <p:sldId id="270" r:id="rId11"/>
+    <p:sldId id="269" r:id="rId12"/>
+    <p:sldId id="266" r:id="rId13"/>
+    <p:sldId id="267" r:id="rId14"/>
   </p:sldIdLst>
   <p:sldSz cx="9144000" cy="6858000" type="screen4x3"/>
   <p:notesSz cx="6858000" cy="9144000"/>
@@ -4136,11 +4138,11 @@
           <a:p>
             <a:r>
               <a:rPr lang="de-CH" dirty="0" smtClean="0"/>
-              <a:t>Synchronisation - </a:t>
+              <a:t>Key Pin </a:t>
             </a:r>
             <a:r>
               <a:rPr lang="de-CH" dirty="0" err="1" smtClean="0"/>
-              <a:t>Interruptway</a:t>
+              <a:t>Synchronization</a:t>
             </a:r>
             <a:endParaRPr lang="de-CH" dirty="0"/>
           </a:p>
@@ -4148,65 +4150,12 @@
       </p:sp>
       <p:sp>
         <p:nvSpPr>
-          <p:cNvPr id="4" name="Textfeld 3"/>
-          <p:cNvSpPr txBox="1"/>
-          <p:nvPr/>
-        </p:nvSpPr>
-        <p:spPr>
-          <a:xfrm>
-            <a:off x="282607" y="1905908"/>
-            <a:ext cx="2025586" cy="1323439"/>
-          </a:xfrm>
-          <a:prstGeom prst="rect">
-            <a:avLst/>
-          </a:prstGeom>
-          <a:noFill/>
-        </p:spPr>
-        <p:txBody>
-          <a:bodyPr wrap="square" rtlCol="0">
-            <a:spAutoFit/>
-          </a:bodyPr>
-          <a:lstStyle/>
-          <a:p>
-            <a:r>
-              <a:rPr lang="de-CH" sz="2000" b="1" dirty="0" smtClean="0"/>
-              <a:t>- </a:t>
-            </a:r>
-            <a:r>
-              <a:rPr lang="de-CH" sz="2000" b="1" dirty="0" err="1" smtClean="0"/>
-              <a:t>Processor</a:t>
-            </a:r>
-            <a:endParaRPr lang="de-CH" sz="2000" b="1" dirty="0" smtClean="0"/>
-          </a:p>
-          <a:p>
-            <a:r>
-              <a:rPr lang="de-CH" sz="2000" b="1" dirty="0"/>
-              <a:t> </a:t>
-            </a:r>
-            <a:r>
-              <a:rPr lang="de-CH" sz="2000" b="1" dirty="0" smtClean="0"/>
-              <a:t> expert</a:t>
-            </a:r>
-          </a:p>
-          <a:p>
-            <a:endParaRPr lang="de-CH" sz="2000" b="1" dirty="0"/>
-          </a:p>
-          <a:p>
-            <a:r>
-              <a:rPr lang="de-CH" sz="2000" b="1" dirty="0" smtClean="0"/>
-              <a:t>- </a:t>
-            </a:r>
-          </a:p>
-        </p:txBody>
-      </p:sp>
-      <p:sp>
-        <p:nvSpPr>
-          <p:cNvPr id="5" name="Inhaltsplatzhalter 4"/>
-          <p:cNvSpPr>
-            <a:spLocks noGrp="1"/>
-          </p:cNvSpPr>
-          <p:nvPr>
-            <p:ph idx="1"/>
+          <p:cNvPr id="4" name="Foliennummernplatzhalter 3"/>
+          <p:cNvSpPr>
+            <a:spLocks noGrp="1"/>
+          </p:cNvSpPr>
+          <p:nvPr>
+            <p:ph type="sldNum" sz="quarter" idx="12"/>
           </p:nvPr>
         </p:nvSpPr>
         <p:spPr/>
@@ -4214,33 +4163,40 @@
           <a:bodyPr/>
           <a:lstStyle/>
           <a:p>
-            <a:endParaRPr lang="de-CH" dirty="0"/>
+            <a:fld id="{0CFEC368-1D7A-4F81-ABF6-AE0E36BAF64C}" type="slidenum">
+              <a:rPr lang="en-US" smtClean="0"/>
+              <a:pPr/>
+              <a:t>10</a:t>
+            </a:fld>
+            <a:endParaRPr lang="en-US"/>
           </a:p>
         </p:txBody>
       </p:sp>
       <p:pic>
         <p:nvPicPr>
-          <p:cNvPr id="4099" name="Picture 3"/>
+          <p:cNvPr id="2050" name="Picture 2"/>
           <p:cNvPicPr>
-            <a:picLocks noChangeAspect="1" noChangeArrowheads="1"/>
+            <a:picLocks noGrp="1" noChangeAspect="1" noChangeArrowheads="1"/>
           </p:cNvPicPr>
-          <p:nvPr/>
+          <p:nvPr>
+            <p:ph idx="1"/>
+          </p:nvPr>
         </p:nvPicPr>
         <p:blipFill rotWithShape="1">
-          <a:blip r:embed="rId2" cstate="email">
+          <a:blip r:embed="rId2">
             <a:extLst>
               <a:ext uri="{28A0092B-C50C-407E-A947-70E740481C1C}">
                 <a14:useLocalDpi xmlns:a14="http://schemas.microsoft.com/office/drawing/2010/main" val="0"/>
               </a:ext>
             </a:extLst>
           </a:blip>
-          <a:srcRect l="20860" t="24207" r="20798" b="11458"/>
+          <a:srcRect l="21528" t="50206" r="53125" b="9445"/>
           <a:stretch/>
         </p:blipFill>
         <p:spPr bwMode="auto">
           <a:xfrm>
-            <a:off x="2234565" y="1610491"/>
-            <a:ext cx="6450148" cy="3998969"/>
+            <a:off x="468247" y="3359021"/>
+            <a:ext cx="3504083" cy="3136074"/>
           </a:xfrm>
           <a:prstGeom prst="rect">
             <a:avLst/>
@@ -4270,34 +4226,260 @@
           </a:extLst>
         </p:spPr>
       </p:pic>
-      <p:sp>
-        <p:nvSpPr>
-          <p:cNvPr id="6" name="Foliennummernplatzhalter 5"/>
-          <p:cNvSpPr>
-            <a:spLocks noGrp="1"/>
-          </p:cNvSpPr>
-          <p:nvPr>
-            <p:ph type="sldNum" sz="quarter" idx="12"/>
-          </p:nvPr>
-        </p:nvSpPr>
-        <p:spPr/>
-        <p:txBody>
-          <a:bodyPr/>
-          <a:lstStyle/>
-          <a:p>
-            <a:fld id="{0CFEC368-1D7A-4F81-ABF6-AE0E36BAF64C}" type="slidenum">
-              <a:rPr lang="en-US" smtClean="0"/>
-              <a:pPr/>
-              <a:t>10</a:t>
-            </a:fld>
-            <a:endParaRPr lang="en-US"/>
-          </a:p>
-        </p:txBody>
-      </p:sp>
+      <p:pic>
+        <p:nvPicPr>
+          <p:cNvPr id="2051" name="Picture 3"/>
+          <p:cNvPicPr>
+            <a:picLocks noChangeAspect="1" noChangeArrowheads="1"/>
+          </p:cNvPicPr>
+          <p:nvPr/>
+        </p:nvPicPr>
+        <p:blipFill rotWithShape="1">
+          <a:blip r:embed="rId2">
+            <a:extLst>
+              <a:ext uri="{28A0092B-C50C-407E-A947-70E740481C1C}">
+                <a14:useLocalDpi xmlns:a14="http://schemas.microsoft.com/office/drawing/2010/main" val="0"/>
+              </a:ext>
+            </a:extLst>
+          </a:blip>
+          <a:srcRect l="50899" t="50000" r="20617" b="12760"/>
+          <a:stretch/>
+        </p:blipFill>
+        <p:spPr bwMode="auto">
+          <a:xfrm>
+            <a:off x="4479468" y="3244646"/>
+            <a:ext cx="4347195" cy="3228702"/>
+          </a:xfrm>
+          <a:prstGeom prst="rect">
+            <a:avLst/>
+          </a:prstGeom>
+          <a:noFill/>
+          <a:ln>
+            <a:noFill/>
+          </a:ln>
+          <a:extLst>
+            <a:ext uri="{909E8E84-426E-40DD-AFC4-6F175D3DCCD1}">
+              <a14:hiddenFill xmlns:a14="http://schemas.microsoft.com/office/drawing/2010/main">
+                <a:solidFill>
+                  <a:schemeClr val="accent1"/>
+                </a:solidFill>
+              </a14:hiddenFill>
+            </a:ext>
+            <a:ext uri="{91240B29-F687-4F45-9708-019B960494DF}">
+              <a14:hiddenLine xmlns:a14="http://schemas.microsoft.com/office/drawing/2010/main" w="9525">
+                <a:solidFill>
+                  <a:schemeClr val="tx1"/>
+                </a:solidFill>
+                <a:miter lim="800000"/>
+                <a:headEnd/>
+                <a:tailEnd/>
+              </a14:hiddenLine>
+            </a:ext>
+          </a:extLst>
+        </p:spPr>
+      </p:pic>
+      <p:sp>
+        <p:nvSpPr>
+          <p:cNvPr id="5" name="Textfeld 4"/>
+          <p:cNvSpPr txBox="1"/>
+          <p:nvPr/>
+        </p:nvSpPr>
+        <p:spPr>
+          <a:xfrm>
+            <a:off x="309716" y="1524000"/>
+            <a:ext cx="3765853" cy="1938992"/>
+          </a:xfrm>
+          <a:prstGeom prst="rect">
+            <a:avLst/>
+          </a:prstGeom>
+          <a:noFill/>
+        </p:spPr>
+        <p:txBody>
+          <a:bodyPr wrap="square" rtlCol="0">
+            <a:spAutoFit/>
+          </a:bodyPr>
+          <a:lstStyle/>
+          <a:p>
+            <a:r>
+              <a:rPr lang="de-CH" sz="2400" b="1" u="sng" dirty="0" err="1" smtClean="0"/>
+              <a:t>BitIo</a:t>
+            </a:r>
+            <a:r>
+              <a:rPr lang="de-CH" sz="2400" b="1" u="sng" dirty="0" smtClean="0"/>
+              <a:t> </a:t>
+            </a:r>
+            <a:r>
+              <a:rPr lang="de-CH" sz="2400" b="1" u="sng" dirty="0" err="1" smtClean="0"/>
+              <a:t>Component</a:t>
+            </a:r>
+            <a:endParaRPr lang="de-CH" sz="2400" b="1" u="sng" dirty="0" smtClean="0"/>
+          </a:p>
+          <a:p>
+            <a:r>
+              <a:rPr lang="de-CH" sz="2000" b="1" dirty="0" smtClean="0"/>
+              <a:t> -  </a:t>
+            </a:r>
+            <a:r>
+              <a:rPr lang="de-CH" sz="2000" b="1" dirty="0" err="1" smtClean="0"/>
+              <a:t>Polling</a:t>
+            </a:r>
+            <a:r>
+              <a:rPr lang="de-CH" sz="2000" b="1" dirty="0" smtClean="0"/>
+              <a:t> / </a:t>
+            </a:r>
+            <a:r>
+              <a:rPr lang="de-CH" sz="2000" b="1" dirty="0" err="1" smtClean="0"/>
+              <a:t>Gadfly</a:t>
+            </a:r>
+            <a:endParaRPr lang="de-CH" sz="2000" b="1" dirty="0" smtClean="0"/>
+          </a:p>
+          <a:p>
+            <a:endParaRPr lang="de-CH" sz="2000" b="1" dirty="0"/>
+          </a:p>
+          <a:p>
+            <a:r>
+              <a:rPr lang="de-CH" sz="2000" b="1" dirty="0"/>
+              <a:t> </a:t>
+            </a:r>
+            <a:r>
+              <a:rPr lang="de-CH" sz="2000" b="1" dirty="0" smtClean="0"/>
+              <a:t>- </a:t>
+            </a:r>
+            <a:r>
+              <a:rPr lang="de-CH" sz="2000" b="1" dirty="0" err="1" smtClean="0"/>
+              <a:t>using</a:t>
+            </a:r>
+            <a:r>
+              <a:rPr lang="de-CH" sz="2000" b="1" dirty="0" smtClean="0"/>
+              <a:t> </a:t>
+            </a:r>
+            <a:r>
+              <a:rPr lang="de-CH" sz="2000" b="1" dirty="0" err="1" smtClean="0"/>
+              <a:t>as</a:t>
+            </a:r>
+            <a:r>
+              <a:rPr lang="de-CH" sz="2000" b="1" dirty="0" smtClean="0"/>
+              <a:t> an </a:t>
+            </a:r>
+            <a:r>
+              <a:rPr lang="de-CH" sz="2000" b="1" dirty="0" err="1" smtClean="0"/>
+              <a:t>ouput</a:t>
+            </a:r>
+            <a:r>
+              <a:rPr lang="de-CH" sz="2000" b="1" dirty="0" err="1"/>
+              <a:t>-</a:t>
+            </a:r>
+            <a:r>
+              <a:rPr lang="de-CH" sz="2000" b="1" dirty="0" err="1" smtClean="0"/>
+              <a:t>pin</a:t>
+            </a:r>
+            <a:endParaRPr lang="de-CH" sz="2000" b="1" dirty="0" smtClean="0"/>
+          </a:p>
+          <a:p>
+            <a:endParaRPr lang="de-CH" dirty="0"/>
+          </a:p>
+          <a:p>
+            <a:endParaRPr lang="de-CH" dirty="0"/>
+          </a:p>
+        </p:txBody>
+      </p:sp>
+      <p:sp>
+        <p:nvSpPr>
+          <p:cNvPr id="6" name="Textfeld 5"/>
+          <p:cNvSpPr txBox="1"/>
+          <p:nvPr/>
+        </p:nvSpPr>
+        <p:spPr>
+          <a:xfrm>
+            <a:off x="4572000" y="1524000"/>
+            <a:ext cx="4114800" cy="1384995"/>
+          </a:xfrm>
+          <a:prstGeom prst="rect">
+            <a:avLst/>
+          </a:prstGeom>
+          <a:noFill/>
+        </p:spPr>
+        <p:txBody>
+          <a:bodyPr wrap="square" rtlCol="0">
+            <a:spAutoFit/>
+          </a:bodyPr>
+          <a:lstStyle/>
+          <a:p>
+            <a:r>
+              <a:rPr lang="de-CH" sz="2400" b="1" u="sng" dirty="0" err="1" smtClean="0"/>
+              <a:t>ExtInt</a:t>
+            </a:r>
+            <a:r>
+              <a:rPr lang="de-CH" sz="2400" b="1" u="sng" dirty="0" smtClean="0"/>
+              <a:t> </a:t>
+            </a:r>
+            <a:r>
+              <a:rPr lang="de-CH" sz="2400" b="1" u="sng" dirty="0" err="1" smtClean="0"/>
+              <a:t>Component</a:t>
+            </a:r>
+            <a:endParaRPr lang="de-CH" sz="2400" b="1" u="sng" dirty="0" smtClean="0"/>
+          </a:p>
+          <a:p>
+            <a:r>
+              <a:rPr lang="de-CH" sz="2000" b="1" dirty="0" smtClean="0"/>
+              <a:t>- Interrupt</a:t>
+            </a:r>
+          </a:p>
+          <a:p>
+            <a:pPr marL="342900" indent="-342900">
+              <a:buFontTx/>
+              <a:buChar char="-"/>
+            </a:pPr>
+            <a:endParaRPr lang="de-CH" sz="2000" b="1" dirty="0"/>
+          </a:p>
+          <a:p>
+            <a:pPr marL="342900" indent="-342900">
+              <a:buFontTx/>
+              <a:buChar char="-"/>
+            </a:pPr>
+            <a:endParaRPr lang="de-CH" sz="2000" b="1" dirty="0"/>
+          </a:p>
+        </p:txBody>
+      </p:sp>
+      <p:cxnSp>
+        <p:nvCxnSpPr>
+          <p:cNvPr id="9" name="Gerade Verbindung 8"/>
+          <p:cNvCxnSpPr/>
+          <p:nvPr/>
+        </p:nvCxnSpPr>
+        <p:spPr>
+          <a:xfrm flipV="1">
+            <a:off x="4310743" y="1769806"/>
+            <a:ext cx="0" cy="4572000"/>
+          </a:xfrm>
+          <a:prstGeom prst="line">
+            <a:avLst/>
+          </a:prstGeom>
+          <a:ln>
+            <a:solidFill>
+              <a:schemeClr val="tx1"/>
+            </a:solidFill>
+          </a:ln>
+        </p:spPr>
+        <p:style>
+          <a:lnRef idx="3">
+            <a:schemeClr val="accent6"/>
+          </a:lnRef>
+          <a:fillRef idx="0">
+            <a:schemeClr val="accent6"/>
+          </a:fillRef>
+          <a:effectRef idx="2">
+            <a:schemeClr val="accent6"/>
+          </a:effectRef>
+          <a:fontRef idx="minor">
+            <a:schemeClr val="tx1"/>
+          </a:fontRef>
+        </p:style>
+      </p:cxnSp>
     </p:spTree>
     <p:extLst>
       <p:ext uri="{BB962C8B-B14F-4D97-AF65-F5344CB8AC3E}">
-        <p14:creationId xmlns:p14="http://schemas.microsoft.com/office/powerpoint/2010/main" val="2450174944"/>
+        <p14:creationId xmlns:p14="http://schemas.microsoft.com/office/powerpoint/2010/main" val="2432953996"/>
       </p:ext>
     </p:extLst>
   </p:cSld>
@@ -4341,6 +4523,451 @@
             <p:ph type="title"/>
           </p:nvPr>
         </p:nvSpPr>
+        <p:spPr/>
+        <p:txBody>
+          <a:bodyPr/>
+          <a:lstStyle/>
+          <a:p>
+            <a:r>
+              <a:rPr lang="de-CH" dirty="0" err="1" smtClean="0"/>
+              <a:t>Synchronization</a:t>
+            </a:r>
+            <a:r>
+              <a:rPr lang="de-CH" dirty="0" smtClean="0"/>
+              <a:t> – </a:t>
+            </a:r>
+            <a:r>
+              <a:rPr lang="de-CH" dirty="0" err="1" smtClean="0"/>
+              <a:t>BitIO</a:t>
+            </a:r>
+            <a:endParaRPr lang="de-CH" dirty="0"/>
+          </a:p>
+        </p:txBody>
+      </p:sp>
+      <p:pic>
+        <p:nvPicPr>
+          <p:cNvPr id="3074" name="Picture 2"/>
+          <p:cNvPicPr>
+            <a:picLocks noGrp="1" noChangeAspect="1" noChangeArrowheads="1"/>
+          </p:cNvPicPr>
+          <p:nvPr>
+            <p:ph idx="1"/>
+          </p:nvPr>
+        </p:nvPicPr>
+        <p:blipFill rotWithShape="1">
+          <a:blip r:embed="rId2" cstate="email">
+            <a:extLst>
+              <a:ext uri="{28A0092B-C50C-407E-A947-70E740481C1C}">
+                <a14:useLocalDpi xmlns:a14="http://schemas.microsoft.com/office/drawing/2010/main" val="0"/>
+              </a:ext>
+            </a:extLst>
+          </a:blip>
+          <a:srcRect l="19907" t="24267" r="18171" b="12739"/>
+          <a:stretch/>
+        </p:blipFill>
+        <p:spPr bwMode="auto">
+          <a:xfrm>
+            <a:off x="881976" y="2061702"/>
+            <a:ext cx="7380047" cy="4221111"/>
+          </a:xfrm>
+          <a:prstGeom prst="rect">
+            <a:avLst/>
+          </a:prstGeom>
+          <a:noFill/>
+          <a:ln>
+            <a:noFill/>
+          </a:ln>
+          <a:extLst>
+            <a:ext uri="{909E8E84-426E-40DD-AFC4-6F175D3DCCD1}">
+              <a14:hiddenFill xmlns:a14="http://schemas.microsoft.com/office/drawing/2010/main">
+                <a:solidFill>
+                  <a:schemeClr val="accent1"/>
+                </a:solidFill>
+              </a14:hiddenFill>
+            </a:ext>
+            <a:ext uri="{91240B29-F687-4F45-9708-019B960494DF}">
+              <a14:hiddenLine xmlns:a14="http://schemas.microsoft.com/office/drawing/2010/main" w="9525">
+                <a:solidFill>
+                  <a:schemeClr val="tx1"/>
+                </a:solidFill>
+                <a:miter lim="800000"/>
+                <a:headEnd/>
+                <a:tailEnd/>
+              </a14:hiddenLine>
+            </a:ext>
+          </a:extLst>
+        </p:spPr>
+      </p:pic>
+      <p:sp>
+        <p:nvSpPr>
+          <p:cNvPr id="4" name="Textfeld 3"/>
+          <p:cNvSpPr txBox="1"/>
+          <p:nvPr/>
+        </p:nvSpPr>
+        <p:spPr>
+          <a:xfrm>
+            <a:off x="280218" y="1524000"/>
+            <a:ext cx="3982066" cy="1323439"/>
+          </a:xfrm>
+          <a:prstGeom prst="rect">
+            <a:avLst/>
+          </a:prstGeom>
+          <a:noFill/>
+        </p:spPr>
+        <p:txBody>
+          <a:bodyPr wrap="square" rtlCol="0">
+            <a:spAutoFit/>
+          </a:bodyPr>
+          <a:lstStyle/>
+          <a:p>
+            <a:r>
+              <a:rPr lang="de-CH" sz="2000" b="1" dirty="0" err="1" smtClean="0"/>
+              <a:t>For</a:t>
+            </a:r>
+            <a:r>
+              <a:rPr lang="de-CH" sz="2000" b="1" dirty="0" smtClean="0"/>
+              <a:t> </a:t>
+            </a:r>
+            <a:r>
+              <a:rPr lang="de-CH" sz="2000" b="1" dirty="0" err="1" smtClean="0"/>
+              <a:t>buttons</a:t>
+            </a:r>
+            <a:r>
+              <a:rPr lang="de-CH" sz="2000" b="1" dirty="0" smtClean="0"/>
+              <a:t> </a:t>
+            </a:r>
+            <a:r>
+              <a:rPr lang="de-CH" sz="2000" b="1" dirty="0" err="1" smtClean="0"/>
+              <a:t>we</a:t>
+            </a:r>
+            <a:r>
+              <a:rPr lang="de-CH" sz="2000" b="1" dirty="0" smtClean="0"/>
+              <a:t> </a:t>
+            </a:r>
+            <a:r>
+              <a:rPr lang="de-CH" sz="2000" b="1" dirty="0" err="1" smtClean="0"/>
+              <a:t>us</a:t>
+            </a:r>
+            <a:r>
+              <a:rPr lang="de-CH" sz="2000" b="1" dirty="0" smtClean="0"/>
+              <a:t> </a:t>
+            </a:r>
+            <a:r>
+              <a:rPr lang="de-CH" sz="2000" b="1" dirty="0" err="1" smtClean="0"/>
+              <a:t>polling</a:t>
+            </a:r>
+            <a:r>
+              <a:rPr lang="de-CH" sz="2000" b="1" dirty="0" smtClean="0"/>
+              <a:t>…</a:t>
+            </a:r>
+          </a:p>
+          <a:p>
+            <a:endParaRPr lang="de-CH" sz="2000" b="1" dirty="0" smtClean="0"/>
+          </a:p>
+          <a:p>
+            <a:endParaRPr lang="de-CH" sz="2000" b="1" dirty="0" smtClean="0"/>
+          </a:p>
+          <a:p>
+            <a:endParaRPr lang="de-CH" sz="2000" b="1" dirty="0" smtClean="0"/>
+          </a:p>
+        </p:txBody>
+      </p:sp>
+      <p:sp>
+        <p:nvSpPr>
+          <p:cNvPr id="5" name="Foliennummernplatzhalter 4"/>
+          <p:cNvSpPr>
+            <a:spLocks noGrp="1"/>
+          </p:cNvSpPr>
+          <p:nvPr>
+            <p:ph type="sldNum" sz="quarter" idx="12"/>
+          </p:nvPr>
+        </p:nvSpPr>
+        <p:spPr/>
+        <p:txBody>
+          <a:bodyPr/>
+          <a:lstStyle/>
+          <a:p>
+            <a:fld id="{0CFEC368-1D7A-4F81-ABF6-AE0E36BAF64C}" type="slidenum">
+              <a:rPr lang="en-US" smtClean="0"/>
+              <a:pPr/>
+              <a:t>11</a:t>
+            </a:fld>
+            <a:endParaRPr lang="en-US"/>
+          </a:p>
+        </p:txBody>
+      </p:sp>
+    </p:spTree>
+    <p:extLst>
+      <p:ext uri="{BB962C8B-B14F-4D97-AF65-F5344CB8AC3E}">
+        <p14:creationId xmlns:p14="http://schemas.microsoft.com/office/powerpoint/2010/main" val="486319293"/>
+      </p:ext>
+    </p:extLst>
+  </p:cSld>
+  <p:clrMapOvr>
+    <a:masterClrMapping/>
+  </p:clrMapOvr>
+  <p:timing>
+    <p:tnLst>
+      <p:par>
+        <p:cTn id="1" dur="indefinite" restart="never" nodeType="tmRoot"/>
+      </p:par>
+    </p:tnLst>
+  </p:timing>
+</p:sld>
+</file>
+
+<file path=ppt/slides/slide12.xml><?xml version="1.0" encoding="utf-8"?>
+<p:sld xmlns:a="http://schemas.openxmlformats.org/drawingml/2006/main" xmlns:r="http://schemas.openxmlformats.org/officeDocument/2006/relationships" xmlns:p="http://schemas.openxmlformats.org/presentationml/2006/main">
+  <p:cSld>
+    <p:spTree>
+      <p:nvGrpSpPr>
+        <p:cNvPr id="1" name=""/>
+        <p:cNvGrpSpPr/>
+        <p:nvPr/>
+      </p:nvGrpSpPr>
+      <p:grpSpPr>
+        <a:xfrm>
+          <a:off x="0" y="0"/>
+          <a:ext cx="0" cy="0"/>
+          <a:chOff x="0" y="0"/>
+          <a:chExt cx="0" cy="0"/>
+        </a:xfrm>
+      </p:grpSpPr>
+      <p:sp>
+        <p:nvSpPr>
+          <p:cNvPr id="2" name="Titel 1"/>
+          <p:cNvSpPr>
+            <a:spLocks noGrp="1"/>
+          </p:cNvSpPr>
+          <p:nvPr>
+            <p:ph type="title"/>
+          </p:nvPr>
+        </p:nvSpPr>
+        <p:spPr/>
+        <p:txBody>
+          <a:bodyPr/>
+          <a:lstStyle/>
+          <a:p>
+            <a:r>
+              <a:rPr lang="de-CH" dirty="0" smtClean="0"/>
+              <a:t>Synchronisation - </a:t>
+            </a:r>
+            <a:r>
+              <a:rPr lang="de-CH" dirty="0" err="1" smtClean="0"/>
+              <a:t>ExtInt</a:t>
+            </a:r>
+            <a:endParaRPr lang="de-CH" dirty="0"/>
+          </a:p>
+        </p:txBody>
+      </p:sp>
+      <p:pic>
+        <p:nvPicPr>
+          <p:cNvPr id="4099" name="Picture 3"/>
+          <p:cNvPicPr>
+            <a:picLocks noChangeAspect="1" noChangeArrowheads="1"/>
+          </p:cNvPicPr>
+          <p:nvPr/>
+        </p:nvPicPr>
+        <p:blipFill rotWithShape="1">
+          <a:blip r:embed="rId2" cstate="email">
+            <a:extLst>
+              <a:ext uri="{28A0092B-C50C-407E-A947-70E740481C1C}">
+                <a14:useLocalDpi xmlns:a14="http://schemas.microsoft.com/office/drawing/2010/main" val="0"/>
+              </a:ext>
+            </a:extLst>
+          </a:blip>
+          <a:srcRect l="20860" t="24207" r="20798" b="11458"/>
+          <a:stretch/>
+        </p:blipFill>
+        <p:spPr bwMode="auto">
+          <a:xfrm>
+            <a:off x="663677" y="1840563"/>
+            <a:ext cx="7802704" cy="4837528"/>
+          </a:xfrm>
+          <a:prstGeom prst="rect">
+            <a:avLst/>
+          </a:prstGeom>
+          <a:noFill/>
+          <a:ln>
+            <a:noFill/>
+          </a:ln>
+          <a:extLst>
+            <a:ext uri="{909E8E84-426E-40DD-AFC4-6F175D3DCCD1}">
+              <a14:hiddenFill xmlns:a14="http://schemas.microsoft.com/office/drawing/2010/main">
+                <a:solidFill>
+                  <a:schemeClr val="accent1"/>
+                </a:solidFill>
+              </a14:hiddenFill>
+            </a:ext>
+            <a:ext uri="{91240B29-F687-4F45-9708-019B960494DF}">
+              <a14:hiddenLine xmlns:a14="http://schemas.microsoft.com/office/drawing/2010/main" w="9525">
+                <a:solidFill>
+                  <a:schemeClr val="tx1"/>
+                </a:solidFill>
+                <a:miter lim="800000"/>
+                <a:headEnd/>
+                <a:tailEnd/>
+              </a14:hiddenLine>
+            </a:ext>
+          </a:extLst>
+        </p:spPr>
+      </p:pic>
+      <p:sp>
+        <p:nvSpPr>
+          <p:cNvPr id="6" name="Foliennummernplatzhalter 5"/>
+          <p:cNvSpPr>
+            <a:spLocks noGrp="1"/>
+          </p:cNvSpPr>
+          <p:nvPr>
+            <p:ph type="sldNum" sz="quarter" idx="12"/>
+          </p:nvPr>
+        </p:nvSpPr>
+        <p:spPr/>
+        <p:txBody>
+          <a:bodyPr/>
+          <a:lstStyle/>
+          <a:p>
+            <a:fld id="{0CFEC368-1D7A-4F81-ABF6-AE0E36BAF64C}" type="slidenum">
+              <a:rPr lang="en-US" smtClean="0"/>
+              <a:pPr/>
+              <a:t>12</a:t>
+            </a:fld>
+            <a:endParaRPr lang="en-US"/>
+          </a:p>
+        </p:txBody>
+      </p:sp>
+      <p:sp>
+        <p:nvSpPr>
+          <p:cNvPr id="3" name="Textfeld 2"/>
+          <p:cNvSpPr txBox="1"/>
+          <p:nvPr/>
+        </p:nvSpPr>
+        <p:spPr>
+          <a:xfrm>
+            <a:off x="457200" y="1337187"/>
+            <a:ext cx="8465574" cy="677108"/>
+          </a:xfrm>
+          <a:prstGeom prst="rect">
+            <a:avLst/>
+          </a:prstGeom>
+          <a:noFill/>
+        </p:spPr>
+        <p:txBody>
+          <a:bodyPr wrap="square" rtlCol="0">
+            <a:spAutoFit/>
+          </a:bodyPr>
+          <a:lstStyle/>
+          <a:p>
+            <a:r>
+              <a:rPr lang="de-CH" sz="2000" b="1" dirty="0" smtClean="0"/>
+              <a:t>…. </a:t>
+            </a:r>
+            <a:r>
+              <a:rPr lang="de-CH" sz="2000" b="1" dirty="0" err="1" smtClean="0"/>
+              <a:t>And</a:t>
+            </a:r>
+            <a:r>
+              <a:rPr lang="de-CH" sz="2000" b="1" dirty="0" smtClean="0"/>
+              <a:t> </a:t>
+            </a:r>
+            <a:r>
+              <a:rPr lang="de-CH" sz="2000" b="1" dirty="0" err="1" smtClean="0"/>
+              <a:t>interrupts</a:t>
+            </a:r>
+            <a:r>
+              <a:rPr lang="de-CH" sz="2000" b="1" dirty="0" smtClean="0"/>
+              <a:t> </a:t>
+            </a:r>
+            <a:r>
+              <a:rPr lang="de-CH" sz="2000" b="1" dirty="0" err="1" smtClean="0"/>
+              <a:t>for</a:t>
+            </a:r>
+            <a:r>
+              <a:rPr lang="de-CH" sz="2000" b="1" dirty="0" smtClean="0"/>
+              <a:t> all </a:t>
+            </a:r>
+            <a:r>
+              <a:rPr lang="de-CH" sz="2000" b="1" dirty="0" err="1" smtClean="0"/>
+              <a:t>the</a:t>
+            </a:r>
+            <a:r>
+              <a:rPr lang="de-CH" sz="2000" b="1" dirty="0" smtClean="0"/>
+              <a:t> </a:t>
+            </a:r>
+            <a:r>
+              <a:rPr lang="de-CH" sz="2000" b="1" dirty="0" err="1" smtClean="0"/>
+              <a:t>other</a:t>
+            </a:r>
+            <a:r>
+              <a:rPr lang="de-CH" sz="2000" b="1" dirty="0" smtClean="0"/>
+              <a:t> </a:t>
+            </a:r>
+            <a:r>
+              <a:rPr lang="de-CH" sz="2000" b="1" dirty="0" err="1" smtClean="0"/>
+              <a:t>things</a:t>
+            </a:r>
+            <a:r>
+              <a:rPr lang="de-CH" sz="2000" b="1" dirty="0" smtClean="0"/>
+              <a:t>!</a:t>
+            </a:r>
+            <a:r>
+              <a:rPr lang="de-CH" dirty="0"/>
+              <a:t/>
+            </a:r>
+            <a:br>
+              <a:rPr lang="de-CH" dirty="0"/>
+            </a:br>
+            <a:endParaRPr lang="de-CH" dirty="0"/>
+          </a:p>
+        </p:txBody>
+      </p:sp>
+    </p:spTree>
+    <p:extLst>
+      <p:ext uri="{BB962C8B-B14F-4D97-AF65-F5344CB8AC3E}">
+        <p14:creationId xmlns:p14="http://schemas.microsoft.com/office/powerpoint/2010/main" val="2450174944"/>
+      </p:ext>
+    </p:extLst>
+  </p:cSld>
+  <p:clrMapOvr>
+    <a:masterClrMapping/>
+  </p:clrMapOvr>
+  <p:timing>
+    <p:tnLst>
+      <p:par>
+        <p:cTn id="1" dur="indefinite" restart="never" nodeType="tmRoot"/>
+      </p:par>
+    </p:tnLst>
+  </p:timing>
+</p:sld>
+</file>
+
+<file path=ppt/slides/slide13.xml><?xml version="1.0" encoding="utf-8"?>
+<p:sld xmlns:a="http://schemas.openxmlformats.org/drawingml/2006/main" xmlns:r="http://schemas.openxmlformats.org/officeDocument/2006/relationships" xmlns:p="http://schemas.openxmlformats.org/presentationml/2006/main">
+  <p:cSld>
+    <p:spTree>
+      <p:nvGrpSpPr>
+        <p:cNvPr id="1" name=""/>
+        <p:cNvGrpSpPr/>
+        <p:nvPr/>
+      </p:nvGrpSpPr>
+      <p:grpSpPr>
+        <a:xfrm>
+          <a:off x="0" y="0"/>
+          <a:ext cx="0" cy="0"/>
+          <a:chOff x="0" y="0"/>
+          <a:chExt cx="0" cy="0"/>
+        </a:xfrm>
+      </p:grpSpPr>
+      <p:sp>
+        <p:nvSpPr>
+          <p:cNvPr id="2" name="Titel 1"/>
+          <p:cNvSpPr>
+            <a:spLocks noGrp="1"/>
+          </p:cNvSpPr>
+          <p:nvPr>
+            <p:ph type="title"/>
+          </p:nvPr>
+        </p:nvSpPr>
         <p:spPr>
           <a:xfrm>
             <a:off x="457200" y="609600"/>
@@ -4383,16 +5010,38 @@
           <a:p>
             <a:r>
               <a:rPr lang="en-GB" dirty="0" smtClean="0"/>
-              <a:t>Is this a pull-up or pull-down schematic?</a:t>
-            </a:r>
+              <a:t>Is this a pull-up or pull-down </a:t>
+            </a:r>
+            <a:r>
+              <a:rPr lang="en-GB" dirty="0" smtClean="0"/>
+              <a:t>resistor</a:t>
+            </a:r>
+            <a:r>
+              <a:rPr lang="en-GB" dirty="0" smtClean="0"/>
+              <a:t>?</a:t>
+            </a:r>
+            <a:endParaRPr lang="en-GB" dirty="0"/>
           </a:p>
           <a:p>
             <a:endParaRPr lang="en-GB" dirty="0" smtClean="0"/>
           </a:p>
           <a:p>
+            <a:endParaRPr lang="en-GB" dirty="0"/>
+          </a:p>
+          <a:p>
             <a:endParaRPr lang="en-GB" dirty="0" smtClean="0"/>
           </a:p>
           <a:p>
+            <a:endParaRPr lang="en-GB" dirty="0"/>
+          </a:p>
+          <a:p>
+            <a:endParaRPr lang="en-GB" dirty="0" smtClean="0"/>
+          </a:p>
+          <a:p>
+            <a:r>
+              <a:rPr lang="en-GB" dirty="0" smtClean="0"/>
+              <a:t>What is the disadvantage of simple polling without PE?</a:t>
+            </a:r>
             <a:endParaRPr lang="en-GB" dirty="0" smtClean="0"/>
           </a:p>
           <a:p>
@@ -4404,8 +5053,17 @@
           <a:p>
             <a:r>
               <a:rPr lang="en-GB" dirty="0" smtClean="0"/>
-              <a:t>Which PE we use for synchronisation with interrupts?</a:t>
-            </a:r>
+              <a:t>Which </a:t>
+            </a:r>
+            <a:r>
+              <a:rPr lang="en-GB" dirty="0" smtClean="0"/>
+              <a:t>PE we use </a:t>
+            </a:r>
+            <a:r>
+              <a:rPr lang="en-GB" dirty="0" smtClean="0"/>
+              <a:t>for interrupts-synchronization?</a:t>
+            </a:r>
+            <a:endParaRPr lang="en-GB" dirty="0" smtClean="0"/>
           </a:p>
           <a:p>
             <a:endParaRPr lang="en-GB" dirty="0" smtClean="0"/>
@@ -4466,7 +5124,7 @@
         </p:blipFill>
         <p:spPr bwMode="auto">
           <a:xfrm>
-            <a:off x="6181724" y="876903"/>
+            <a:off x="5857264" y="1289858"/>
             <a:ext cx="2124075" cy="2328260"/>
           </a:xfrm>
           <a:prstGeom prst="rect">
@@ -4515,7 +5173,7 @@
             <a:fld id="{0CFEC368-1D7A-4F81-ABF6-AE0E36BAF64C}" type="slidenum">
               <a:rPr lang="en-US" smtClean="0"/>
               <a:pPr/>
-              <a:t>11</a:t>
+              <a:t>13</a:t>
             </a:fld>
             <a:endParaRPr lang="en-US"/>
           </a:p>
@@ -5774,9 +6432,9 @@
           <p:nvPr/>
         </p:nvCxnSpPr>
         <p:spPr>
-          <a:xfrm flipV="1">
-            <a:off x="4365523" y="1864804"/>
-            <a:ext cx="0" cy="1024147"/>
+          <a:xfrm flipH="1" flipV="1">
+            <a:off x="4429025" y="1883856"/>
+            <a:ext cx="4691" cy="859344"/>
           </a:xfrm>
           <a:prstGeom prst="line">
             <a:avLst/>
@@ -6127,7 +6785,7 @@
         </p:nvSpPr>
         <p:spPr>
           <a:xfrm>
-            <a:off x="3576237" y="1267738"/>
+            <a:off x="3661359" y="1267737"/>
             <a:ext cx="2050517" cy="830997"/>
           </a:xfrm>
           <a:prstGeom prst="rect">
@@ -6274,7 +6932,6 @@
               <a:rPr lang="de-CH" sz="2400" b="1" dirty="0"/>
               <a:t>D</a:t>
             </a:r>
-            <a:endParaRPr lang="de-CH" sz="2400" b="1" dirty="0"/>
           </a:p>
         </p:txBody>
       </p:sp>
@@ -6334,7 +6991,6 @@
               <a:rPr lang="de-CH" sz="2400" b="1" dirty="0"/>
               <a:t>F</a:t>
             </a:r>
-            <a:endParaRPr lang="de-CH" sz="2400" b="1" dirty="0"/>
           </a:p>
         </p:txBody>
       </p:sp>
@@ -6729,8 +7385,8 @@
         </p:nvSpPr>
         <p:spPr>
           <a:xfrm>
-            <a:off x="798286" y="1769806"/>
-            <a:ext cx="1221014" cy="400110"/>
+            <a:off x="4797642" y="1683342"/>
+            <a:ext cx="2163102" cy="707886"/>
           </a:xfrm>
           <a:prstGeom prst="rect">
             <a:avLst/>
@@ -6750,6 +7406,18 @@
             <a:r>
               <a:rPr lang="de-CH" sz="2000" b="1" dirty="0" err="1" smtClean="0"/>
               <a:t>up</a:t>
+            </a:r>
+            <a:r>
+              <a:rPr lang="de-CH" sz="2000" b="1" dirty="0" smtClean="0"/>
+              <a:t> </a:t>
+            </a:r>
+            <a:r>
+              <a:rPr lang="de-CH" sz="2000" b="1" dirty="0" err="1" smtClean="0"/>
+              <a:t>resistor</a:t>
+            </a:r>
+            <a:r>
+              <a:rPr lang="de-CH" sz="2000" b="1" dirty="0" smtClean="0"/>
+              <a:t> </a:t>
             </a:r>
             <a:endParaRPr lang="de-CH" sz="2000" b="1" dirty="0"/>
           </a:p>
@@ -6882,8 +7550,8 @@
         </p:nvSpPr>
         <p:spPr>
           <a:xfrm>
-            <a:off x="5138737" y="1769806"/>
-            <a:ext cx="1571625" cy="400110"/>
+            <a:off x="695447" y="1683342"/>
+            <a:ext cx="2784231" cy="707886"/>
           </a:xfrm>
           <a:prstGeom prst="rect">
             <a:avLst/>
@@ -6898,7 +7566,11 @@
           <a:p>
             <a:r>
               <a:rPr lang="de-CH" sz="2000" b="1" dirty="0" smtClean="0"/>
-              <a:t>Pull-down</a:t>
+              <a:t>Pull-down </a:t>
+            </a:r>
+            <a:r>
+              <a:rPr lang="de-CH" sz="2000" b="1" dirty="0" err="1" smtClean="0"/>
+              <a:t>resistor</a:t>
             </a:r>
             <a:endParaRPr lang="de-CH" sz="2000" b="1" dirty="0"/>
           </a:p>
@@ -6925,6 +7597,54 @@
               <a:t>8</a:t>
             </a:fld>
             <a:endParaRPr lang="en-US"/>
+          </a:p>
+        </p:txBody>
+      </p:sp>
+      <p:sp>
+        <p:nvSpPr>
+          <p:cNvPr id="4" name="Rechteck 3"/>
+          <p:cNvSpPr/>
+          <p:nvPr/>
+        </p:nvSpPr>
+        <p:spPr>
+          <a:xfrm>
+            <a:off x="7743370" y="2603820"/>
+            <a:ext cx="609600" cy="268920"/>
+          </a:xfrm>
+          <a:prstGeom prst="rect">
+            <a:avLst/>
+          </a:prstGeom>
+          <a:solidFill>
+            <a:schemeClr val="bg1"/>
+          </a:solidFill>
+          <a:ln>
+            <a:solidFill>
+              <a:schemeClr val="bg1"/>
+            </a:solidFill>
+          </a:ln>
+        </p:spPr>
+        <p:style>
+          <a:lnRef idx="2">
+            <a:schemeClr val="accent1">
+              <a:shade val="50000"/>
+            </a:schemeClr>
+          </a:lnRef>
+          <a:fillRef idx="1">
+            <a:schemeClr val="accent1"/>
+          </a:fillRef>
+          <a:effectRef idx="0">
+            <a:schemeClr val="accent1"/>
+          </a:effectRef>
+          <a:fontRef idx="minor">
+            <a:schemeClr val="lt1"/>
+          </a:fontRef>
+        </p:style>
+        <p:txBody>
+          <a:bodyPr rtlCol="0" anchor="ctr"/>
+          <a:lstStyle/>
+          <a:p>
+            <a:pPr algn="ctr"/>
+            <a:endParaRPr lang="de-CH"/>
           </a:p>
         </p:txBody>
       </p:sp>
@@ -6981,20 +7701,48 @@
           <a:lstStyle/>
           <a:p>
             <a:r>
+              <a:rPr lang="de-CH" dirty="0" err="1" smtClean="0"/>
+              <a:t>Synchronization</a:t>
+            </a:r>
+            <a:r>
+              <a:rPr lang="de-CH" dirty="0"/>
+              <a:t> </a:t>
+            </a:r>
+            <a:r>
               <a:rPr lang="de-CH" dirty="0" smtClean="0"/>
-              <a:t>Synchronisation - </a:t>
-            </a:r>
-            <a:r>
-              <a:rPr lang="de-CH" dirty="0" err="1" smtClean="0"/>
-              <a:t>Pollingway</a:t>
+              <a:t>– simple</a:t>
             </a:r>
             <a:endParaRPr lang="de-CH" dirty="0"/>
+          </a:p>
+        </p:txBody>
+      </p:sp>
+      <p:sp>
+        <p:nvSpPr>
+          <p:cNvPr id="4" name="Foliennummernplatzhalter 3"/>
+          <p:cNvSpPr>
+            <a:spLocks noGrp="1"/>
+          </p:cNvSpPr>
+          <p:nvPr>
+            <p:ph type="sldNum" sz="quarter" idx="12"/>
+          </p:nvPr>
+        </p:nvSpPr>
+        <p:spPr/>
+        <p:txBody>
+          <a:bodyPr/>
+          <a:lstStyle/>
+          <a:p>
+            <a:fld id="{0CFEC368-1D7A-4F81-ABF6-AE0E36BAF64C}" type="slidenum">
+              <a:rPr lang="en-US" smtClean="0"/>
+              <a:pPr/>
+              <a:t>9</a:t>
+            </a:fld>
+            <a:endParaRPr lang="en-US"/>
           </a:p>
         </p:txBody>
       </p:sp>
       <p:pic>
         <p:nvPicPr>
-          <p:cNvPr id="3074" name="Picture 2"/>
+          <p:cNvPr id="5" name="Picture 2"/>
           <p:cNvPicPr>
             <a:picLocks noGrp="1" noChangeAspect="1" noChangeArrowheads="1"/>
           </p:cNvPicPr>
@@ -7003,20 +7751,20 @@
           </p:nvPr>
         </p:nvPicPr>
         <p:blipFill rotWithShape="1">
-          <a:blip r:embed="rId2" cstate="email">
+          <a:blip r:embed="rId2">
             <a:extLst>
               <a:ext uri="{28A0092B-C50C-407E-A947-70E740481C1C}">
                 <a14:useLocalDpi xmlns:a14="http://schemas.microsoft.com/office/drawing/2010/main" val="0"/>
               </a:ext>
             </a:extLst>
           </a:blip>
-          <a:srcRect l="19907" t="24267" r="18171" b="12739"/>
+          <a:srcRect l="21180" t="27767" r="32176" b="15210"/>
           <a:stretch/>
         </p:blipFill>
         <p:spPr bwMode="auto">
           <a:xfrm>
-            <a:off x="2358591" y="1619250"/>
-            <a:ext cx="6328209" cy="3619499"/>
+            <a:off x="2596007" y="1524000"/>
+            <a:ext cx="6385762" cy="4389120"/>
           </a:xfrm>
           <a:prstGeom prst="rect">
             <a:avLst/>
@@ -7048,14 +7796,14 @@
       </p:pic>
       <p:sp>
         <p:nvSpPr>
-          <p:cNvPr id="4" name="Textfeld 3"/>
+          <p:cNvPr id="7" name="Textfeld 6"/>
           <p:cNvSpPr txBox="1"/>
           <p:nvPr/>
         </p:nvSpPr>
         <p:spPr>
           <a:xfrm>
-            <a:off x="457200" y="1733550"/>
-            <a:ext cx="1901391" cy="2862322"/>
+            <a:off x="294968" y="1725561"/>
+            <a:ext cx="2389238" cy="3139321"/>
           </a:xfrm>
           <a:prstGeom prst="rect">
             <a:avLst/>
@@ -7069,105 +7817,158 @@
           <a:lstStyle/>
           <a:p>
             <a:r>
-              <a:rPr lang="de-CH" sz="2000" b="1" dirty="0" smtClean="0"/>
-              <a:t>+ Simple </a:t>
-            </a:r>
-            <a:r>
-              <a:rPr lang="de-CH" sz="2000" b="1" dirty="0" err="1" smtClean="0"/>
-              <a:t>to</a:t>
-            </a:r>
-            <a:r>
-              <a:rPr lang="de-CH" sz="2000" b="1" dirty="0" smtClean="0"/>
-              <a:t/>
-            </a:r>
-            <a:br>
-              <a:rPr lang="de-CH" sz="2000" b="1" dirty="0" smtClean="0"/>
-            </a:br>
-            <a:r>
-              <a:rPr lang="de-CH" sz="2000" b="1" dirty="0" smtClean="0"/>
+              <a:rPr lang="de-CH" b="1" dirty="0">
+                <a:solidFill>
+                  <a:srgbClr val="FF0000"/>
+                </a:solidFill>
+              </a:rPr>
+              <a:t>+</a:t>
+            </a:r>
+            <a:r>
+              <a:rPr lang="de-CH" b="1" dirty="0"/>
+              <a:t> simple</a:t>
+            </a:r>
+          </a:p>
+          <a:p>
+            <a:r>
+              <a:rPr lang="de-CH" b="1" dirty="0"/>
               <a:t>  </a:t>
             </a:r>
             <a:r>
-              <a:rPr lang="de-CH" sz="2000" b="1" dirty="0" err="1" smtClean="0"/>
-              <a:t>understand</a:t>
-            </a:r>
-            <a:endParaRPr lang="de-CH" sz="2000" b="1" dirty="0" smtClean="0"/>
-          </a:p>
-          <a:p>
-            <a:endParaRPr lang="de-CH" sz="2000" b="1" dirty="0" smtClean="0"/>
-          </a:p>
-          <a:p>
-            <a:endParaRPr lang="de-CH" sz="2000" b="1" dirty="0"/>
-          </a:p>
-          <a:p>
-            <a:endParaRPr lang="de-CH" sz="2000" b="1" dirty="0" smtClean="0"/>
-          </a:p>
-          <a:p>
-            <a:endParaRPr lang="de-CH" sz="2000" b="1" dirty="0"/>
-          </a:p>
-          <a:p>
-            <a:endParaRPr lang="de-CH" sz="2000" b="1" dirty="0" smtClean="0"/>
-          </a:p>
-          <a:p>
-            <a:r>
-              <a:rPr lang="de-CH" sz="2000" b="1" dirty="0" smtClean="0"/>
-              <a:t>- Need </a:t>
-            </a:r>
-            <a:r>
-              <a:rPr lang="de-CH" sz="2000" b="1" dirty="0" err="1" smtClean="0"/>
-              <a:t>lot</a:t>
-            </a:r>
-            <a:r>
-              <a:rPr lang="de-CH" sz="2000" b="1" dirty="0" smtClean="0"/>
+              <a:rPr lang="de-CH" b="1" dirty="0" smtClean="0"/>
               <a:t> </a:t>
             </a:r>
             <a:r>
-              <a:rPr lang="de-CH" sz="2000" b="1" dirty="0" err="1" smtClean="0"/>
+              <a:rPr lang="de-CH" b="1" dirty="0" err="1" smtClean="0"/>
+              <a:t>implemenation</a:t>
+            </a:r>
+            <a:endParaRPr lang="de-CH" b="1" dirty="0" smtClean="0"/>
+          </a:p>
+          <a:p>
+            <a:endParaRPr lang="de-CH" b="1" dirty="0" smtClean="0"/>
+          </a:p>
+          <a:p>
+            <a:r>
+              <a:rPr lang="de-CH" b="1" dirty="0" smtClean="0">
+                <a:solidFill>
+                  <a:srgbClr val="FF0000"/>
+                </a:solidFill>
+              </a:rPr>
+              <a:t>+</a:t>
+            </a:r>
+            <a:r>
+              <a:rPr lang="de-CH" b="1" dirty="0" smtClean="0"/>
+              <a:t> </a:t>
+            </a:r>
+            <a:r>
+              <a:rPr lang="de-CH" b="1" dirty="0" err="1" smtClean="0"/>
+              <a:t>detection</a:t>
+            </a:r>
+            <a:r>
+              <a:rPr lang="de-CH" b="1" dirty="0" smtClean="0"/>
+              <a:t> </a:t>
+            </a:r>
+            <a:r>
+              <a:rPr lang="de-CH" b="1" dirty="0" err="1" smtClean="0"/>
               <a:t>of</a:t>
             </a:r>
             <a:r>
-              <a:rPr lang="de-CH" sz="2000" b="1" dirty="0"/>
-              <a:t/>
-            </a:r>
-            <a:br>
-              <a:rPr lang="de-CH" sz="2000" b="1" dirty="0"/>
-            </a:br>
-            <a:r>
-              <a:rPr lang="de-CH" sz="2000" b="1" dirty="0" smtClean="0"/>
-              <a:t>  CPU.</a:t>
-            </a:r>
-            <a:endParaRPr lang="de-CH" sz="2000" b="1" dirty="0"/>
-          </a:p>
-        </p:txBody>
-      </p:sp>
-      <p:sp>
-        <p:nvSpPr>
-          <p:cNvPr id="5" name="Foliennummernplatzhalter 4"/>
-          <p:cNvSpPr>
-            <a:spLocks noGrp="1"/>
-          </p:cNvSpPr>
-          <p:nvPr>
-            <p:ph type="sldNum" sz="quarter" idx="12"/>
-          </p:nvPr>
-        </p:nvSpPr>
-        <p:spPr/>
-        <p:txBody>
-          <a:bodyPr/>
-          <a:lstStyle/>
-          <a:p>
-            <a:fld id="{0CFEC368-1D7A-4F81-ABF6-AE0E36BAF64C}" type="slidenum">
-              <a:rPr lang="en-US" smtClean="0"/>
-              <a:pPr/>
-              <a:t>9</a:t>
-            </a:fld>
-            <a:endParaRPr lang="en-US"/>
+              <a:rPr lang="de-CH" b="1" dirty="0" smtClean="0"/>
+              <a:t> </a:t>
+            </a:r>
+            <a:r>
+              <a:rPr lang="de-CH" b="1" dirty="0" err="1" smtClean="0"/>
+              <a:t>long</a:t>
+            </a:r>
+            <a:endParaRPr lang="de-CH" b="1" dirty="0" smtClean="0"/>
+          </a:p>
+          <a:p>
+            <a:r>
+              <a:rPr lang="de-CH" b="1" dirty="0"/>
+              <a:t> </a:t>
+            </a:r>
+            <a:r>
+              <a:rPr lang="de-CH" b="1" dirty="0" smtClean="0"/>
+              <a:t>  push </a:t>
+            </a:r>
+            <a:r>
+              <a:rPr lang="de-CH" b="1" dirty="0" err="1" smtClean="0"/>
+              <a:t>actions</a:t>
+            </a:r>
+            <a:endParaRPr lang="de-CH" b="1" dirty="0"/>
+          </a:p>
+          <a:p>
+            <a:endParaRPr lang="de-CH" b="1" dirty="0"/>
+          </a:p>
+          <a:p>
+            <a:endParaRPr lang="de-CH" b="1" dirty="0"/>
+          </a:p>
+          <a:p>
+            <a:r>
+              <a:rPr lang="de-CH" b="1" dirty="0">
+                <a:solidFill>
+                  <a:srgbClr val="FF0000"/>
+                </a:solidFill>
+              </a:rPr>
+              <a:t>-</a:t>
+            </a:r>
+            <a:r>
+              <a:rPr lang="de-CH" b="1" dirty="0"/>
+              <a:t> </a:t>
+            </a:r>
+            <a:r>
+              <a:rPr lang="de-CH" b="1" dirty="0" err="1"/>
+              <a:t>Blocking</a:t>
+            </a:r>
+            <a:r>
+              <a:rPr lang="de-CH" b="1" dirty="0"/>
+              <a:t> </a:t>
+            </a:r>
+            <a:r>
+              <a:rPr lang="de-CH" b="1" dirty="0" err="1"/>
+              <a:t>of</a:t>
+            </a:r>
+            <a:endParaRPr lang="de-CH" b="1" dirty="0"/>
+          </a:p>
+          <a:p>
+            <a:r>
+              <a:rPr lang="de-CH" b="1" dirty="0"/>
+              <a:t>  </a:t>
+            </a:r>
+            <a:r>
+              <a:rPr lang="de-CH" b="1" dirty="0" err="1"/>
+              <a:t>of</a:t>
+            </a:r>
+            <a:r>
+              <a:rPr lang="de-CH" b="1" dirty="0"/>
+              <a:t> </a:t>
+            </a:r>
+            <a:r>
+              <a:rPr lang="de-CH" b="1" dirty="0" err="1"/>
+              <a:t>other</a:t>
+            </a:r>
+            <a:r>
+              <a:rPr lang="de-CH" b="1" dirty="0"/>
+              <a:t> </a:t>
+            </a:r>
+            <a:r>
+              <a:rPr lang="de-CH" b="1" dirty="0" err="1"/>
+              <a:t>buttons</a:t>
+            </a:r>
+            <a:endParaRPr lang="de-CH" b="1" dirty="0"/>
+          </a:p>
+          <a:p>
+            <a:endParaRPr lang="de-CH" dirty="0" smtClean="0"/>
+          </a:p>
+          <a:p>
+            <a:endParaRPr lang="de-CH" dirty="0"/>
           </a:p>
         </p:txBody>
       </p:sp>
     </p:spTree>
     <p:extLst>
       <p:ext uri="{BB962C8B-B14F-4D97-AF65-F5344CB8AC3E}">
-        <p14:creationId xmlns:p14="http://schemas.microsoft.com/office/powerpoint/2010/main" val="186930437"/>
+        <p14:creationId xmlns:p14="http://schemas.microsoft.com/office/powerpoint/2010/main" val="1523082854"/>
       </p:ext>
     </p:extLst>
   </p:cSld>
